--- a/C/小遊戲/猜拳遊戲(原始檔)/猜拳遊戲.pptx
+++ b/C/小遊戲/猜拳遊戲(原始檔)/猜拳遊戲.pptx
@@ -354,7 +354,7 @@
           <a:p>
             <a:fld id="{55659729-2A8C-4B4A-8D97-107C285BC2F1}" type="datetimeFigureOut">
               <a:rPr lang="zh-TW" altLang="en-US" smtClean="0"/>
-              <a:t>2023/1/3</a:t>
+              <a:t>2023/1/9</a:t>
             </a:fld>
             <a:endParaRPr lang="zh-TW" altLang="en-US"/>
           </a:p>
@@ -688,7 +688,7 @@
           <a:p>
             <a:fld id="{55659729-2A8C-4B4A-8D97-107C285BC2F1}" type="datetimeFigureOut">
               <a:rPr lang="zh-TW" altLang="en-US" smtClean="0"/>
-              <a:t>2023/1/3</a:t>
+              <a:t>2023/1/9</a:t>
             </a:fld>
             <a:endParaRPr lang="zh-TW" altLang="en-US"/>
           </a:p>
@@ -966,7 +966,7 @@
           <a:p>
             <a:fld id="{55659729-2A8C-4B4A-8D97-107C285BC2F1}" type="datetimeFigureOut">
               <a:rPr lang="zh-TW" altLang="en-US" smtClean="0"/>
-              <a:t>2023/1/3</a:t>
+              <a:t>2023/1/9</a:t>
             </a:fld>
             <a:endParaRPr lang="zh-TW" altLang="en-US"/>
           </a:p>
@@ -1534,7 +1534,7 @@
           <a:p>
             <a:fld id="{55659729-2A8C-4B4A-8D97-107C285BC2F1}" type="datetimeFigureOut">
               <a:rPr lang="zh-TW" altLang="en-US" smtClean="0"/>
-              <a:t>2023/1/3</a:t>
+              <a:t>2023/1/9</a:t>
             </a:fld>
             <a:endParaRPr lang="zh-TW" altLang="en-US"/>
           </a:p>
@@ -1812,7 +1812,7 @@
           <a:p>
             <a:fld id="{55659729-2A8C-4B4A-8D97-107C285BC2F1}" type="datetimeFigureOut">
               <a:rPr lang="zh-TW" altLang="en-US" smtClean="0"/>
-              <a:t>2023/1/3</a:t>
+              <a:t>2023/1/9</a:t>
             </a:fld>
             <a:endParaRPr lang="zh-TW" altLang="en-US"/>
           </a:p>
@@ -2374,7 +2374,7 @@
           <a:p>
             <a:fld id="{55659729-2A8C-4B4A-8D97-107C285BC2F1}" type="datetimeFigureOut">
               <a:rPr lang="zh-TW" altLang="en-US" smtClean="0"/>
-              <a:t>2023/1/3</a:t>
+              <a:t>2023/1/9</a:t>
             </a:fld>
             <a:endParaRPr lang="zh-TW" altLang="en-US"/>
           </a:p>
@@ -2701,7 +2701,7 @@
           <a:p>
             <a:fld id="{55659729-2A8C-4B4A-8D97-107C285BC2F1}" type="datetimeFigureOut">
               <a:rPr lang="zh-TW" altLang="en-US" smtClean="0"/>
-              <a:t>2023/1/3</a:t>
+              <a:t>2023/1/9</a:t>
             </a:fld>
             <a:endParaRPr lang="zh-TW" altLang="en-US"/>
           </a:p>
@@ -2878,7 +2878,7 @@
           <a:p>
             <a:fld id="{55659729-2A8C-4B4A-8D97-107C285BC2F1}" type="datetimeFigureOut">
               <a:rPr lang="zh-TW" altLang="en-US" smtClean="0"/>
-              <a:t>2023/1/3</a:t>
+              <a:t>2023/1/9</a:t>
             </a:fld>
             <a:endParaRPr lang="zh-TW" altLang="en-US"/>
           </a:p>
@@ -3116,7 +3116,7 @@
           <a:p>
             <a:fld id="{55659729-2A8C-4B4A-8D97-107C285BC2F1}" type="datetimeFigureOut">
               <a:rPr lang="zh-TW" altLang="en-US" smtClean="0"/>
-              <a:t>2023/1/3</a:t>
+              <a:t>2023/1/9</a:t>
             </a:fld>
             <a:endParaRPr lang="zh-TW" altLang="en-US"/>
           </a:p>
@@ -3316,7 +3316,7 @@
           <a:p>
             <a:fld id="{55659729-2A8C-4B4A-8D97-107C285BC2F1}" type="datetimeFigureOut">
               <a:rPr lang="zh-TW" altLang="en-US" smtClean="0"/>
-              <a:t>2023/1/3</a:t>
+              <a:t>2023/1/9</a:t>
             </a:fld>
             <a:endParaRPr lang="zh-TW" altLang="en-US"/>
           </a:p>
@@ -3592,7 +3592,7 @@
           <a:p>
             <a:fld id="{55659729-2A8C-4B4A-8D97-107C285BC2F1}" type="datetimeFigureOut">
               <a:rPr lang="zh-TW" altLang="en-US" smtClean="0"/>
-              <a:t>2023/1/3</a:t>
+              <a:t>2023/1/9</a:t>
             </a:fld>
             <a:endParaRPr lang="zh-TW" altLang="en-US"/>
           </a:p>
@@ -3858,7 +3858,7 @@
           <a:p>
             <a:fld id="{55659729-2A8C-4B4A-8D97-107C285BC2F1}" type="datetimeFigureOut">
               <a:rPr lang="zh-TW" altLang="en-US" smtClean="0"/>
-              <a:t>2023/1/3</a:t>
+              <a:t>2023/1/9</a:t>
             </a:fld>
             <a:endParaRPr lang="zh-TW" altLang="en-US"/>
           </a:p>
@@ -4232,7 +4232,7 @@
           <a:p>
             <a:fld id="{55659729-2A8C-4B4A-8D97-107C285BC2F1}" type="datetimeFigureOut">
               <a:rPr lang="zh-TW" altLang="en-US" smtClean="0"/>
-              <a:t>2023/1/3</a:t>
+              <a:t>2023/1/9</a:t>
             </a:fld>
             <a:endParaRPr lang="zh-TW" altLang="en-US"/>
           </a:p>
@@ -4380,7 +4380,7 @@
           <a:p>
             <a:fld id="{55659729-2A8C-4B4A-8D97-107C285BC2F1}" type="datetimeFigureOut">
               <a:rPr lang="zh-TW" altLang="en-US" smtClean="0"/>
-              <a:t>2023/1/3</a:t>
+              <a:t>2023/1/9</a:t>
             </a:fld>
             <a:endParaRPr lang="zh-TW" altLang="en-US"/>
           </a:p>
@@ -4505,7 +4505,7 @@
           <a:p>
             <a:fld id="{55659729-2A8C-4B4A-8D97-107C285BC2F1}" type="datetimeFigureOut">
               <a:rPr lang="zh-TW" altLang="en-US" smtClean="0"/>
-              <a:t>2023/1/3</a:t>
+              <a:t>2023/1/9</a:t>
             </a:fld>
             <a:endParaRPr lang="zh-TW" altLang="en-US"/>
           </a:p>
@@ -4790,7 +4790,7 @@
           <a:p>
             <a:fld id="{55659729-2A8C-4B4A-8D97-107C285BC2F1}" type="datetimeFigureOut">
               <a:rPr lang="zh-TW" altLang="en-US" smtClean="0"/>
-              <a:t>2023/1/3</a:t>
+              <a:t>2023/1/9</a:t>
             </a:fld>
             <a:endParaRPr lang="zh-TW" altLang="en-US"/>
           </a:p>
@@ -5114,7 +5114,7 @@
           <a:p>
             <a:fld id="{55659729-2A8C-4B4A-8D97-107C285BC2F1}" type="datetimeFigureOut">
               <a:rPr lang="zh-TW" altLang="en-US" smtClean="0"/>
-              <a:t>2023/1/3</a:t>
+              <a:t>2023/1/9</a:t>
             </a:fld>
             <a:endParaRPr lang="zh-TW" altLang="en-US"/>
           </a:p>
@@ -5328,7 +5328,7 @@
           <a:p>
             <a:fld id="{55659729-2A8C-4B4A-8D97-107C285BC2F1}" type="datetimeFigureOut">
               <a:rPr lang="zh-TW" altLang="en-US" smtClean="0"/>
-              <a:t>2023/1/3</a:t>
+              <a:t>2023/1/9</a:t>
             </a:fld>
             <a:endParaRPr lang="zh-TW" altLang="en-US"/>
           </a:p>
@@ -6045,13 +6045,6 @@
   <p:clrMapOvr>
     <a:masterClrMapping/>
   </p:clrMapOvr>
-  <p:timing>
-    <p:tnLst>
-      <p:par>
-        <p:cTn id="1" dur="indefinite" restart="never" nodeType="tmRoot"/>
-      </p:par>
-    </p:tnLst>
-  </p:timing>
 </p:sld>
 </file>
 
@@ -6142,15 +6135,15 @@
               <a:t> </a:t>
             </a:r>
             <a:r>
-              <a:rPr lang="en-US" altLang="zh-TW" sz="5500" b="1" dirty="0" smtClean="0"/>
+              <a:rPr lang="en-US" altLang="zh-TW" sz="5500" b="1" dirty="0"/>
               <a:t>3-3</a:t>
             </a:r>
             <a:r>
-              <a:rPr lang="zh-TW" altLang="en-US" sz="5500" b="1" dirty="0" smtClean="0"/>
+              <a:rPr lang="zh-TW" altLang="en-US" sz="5500" b="1" dirty="0"/>
               <a:t> </a:t>
             </a:r>
             <a:r>
-              <a:rPr lang="en-US" altLang="zh-TW" sz="5500" b="1" dirty="0" smtClean="0"/>
+              <a:rPr lang="en-US" altLang="zh-TW" sz="5500" b="1" dirty="0"/>
               <a:t>/6</a:t>
             </a:r>
             <a:endParaRPr lang="zh-TW" altLang="en-US" sz="5500" b="1" dirty="0"/>
@@ -6191,43 +6184,39 @@
           <a:lstStyle/>
           <a:p>
             <a:r>
-              <a:rPr lang="zh-TW" altLang="en-US" b="1" dirty="0" smtClean="0"/>
+              <a:rPr lang="zh-TW" altLang="en-US" b="1" dirty="0"/>
               <a:t>第</a:t>
             </a:r>
             <a:r>
-              <a:rPr lang="en-US" altLang="zh-TW" b="1" dirty="0" smtClean="0"/>
+              <a:rPr lang="en-US" altLang="zh-TW" b="1" dirty="0"/>
               <a:t>53</a:t>
             </a:r>
             <a:r>
-              <a:rPr lang="zh-TW" altLang="en-US" b="1" dirty="0" smtClean="0"/>
+              <a:rPr lang="zh-TW" altLang="en-US" b="1" dirty="0"/>
               <a:t>行</a:t>
             </a:r>
             <a:r>
-              <a:rPr lang="en-US" altLang="zh-TW" b="1" dirty="0" smtClean="0"/>
+              <a:rPr lang="en-US" altLang="zh-TW" b="1" dirty="0"/>
               <a:t>~</a:t>
             </a:r>
             <a:r>
-              <a:rPr lang="zh-TW" altLang="en-US" b="1" dirty="0" smtClean="0"/>
+              <a:rPr lang="zh-TW" altLang="en-US" b="1" dirty="0"/>
               <a:t>第</a:t>
             </a:r>
             <a:r>
-              <a:rPr lang="en-US" altLang="zh-TW" b="1" dirty="0" smtClean="0"/>
+              <a:rPr lang="en-US" altLang="zh-TW" b="1" dirty="0"/>
               <a:t>56</a:t>
             </a:r>
             <a:r>
-              <a:rPr lang="zh-TW" altLang="en-US" b="1" dirty="0" smtClean="0"/>
+              <a:rPr lang="zh-TW" altLang="en-US" b="1" dirty="0"/>
               <a:t>行</a:t>
             </a:r>
-            <a:endParaRPr lang="en-US" altLang="zh-TW" b="1" dirty="0" smtClean="0"/>
-          </a:p>
-          <a:p>
-            <a:r>
-              <a:rPr lang="en-US" altLang="zh-TW" b="1" dirty="0" smtClean="0"/>
-              <a:t>Switch(computer</a:t>
-            </a:r>
-            <a:r>
-              <a:rPr lang="en-US" altLang="zh-TW" b="1" dirty="0"/>
-              <a:t>)</a:t>
+            <a:endParaRPr lang="en-US" altLang="zh-TW" b="1" dirty="0"/>
+          </a:p>
+          <a:p>
+            <a:r>
+              <a:rPr lang="en-US" altLang="zh-TW" b="1" dirty="0"/>
+              <a:t>Switch(computer)</a:t>
             </a:r>
             <a:r>
               <a:rPr lang="zh-TW" altLang="en-US" b="1" dirty="0"/>
@@ -6256,10 +6245,6 @@
               <a:rPr lang="zh-TW" altLang="en-US" b="1" dirty="0"/>
               <a:t>為剪刀</a:t>
             </a:r>
-            <a:r>
-              <a:rPr lang="en-US" altLang="zh-TW" b="1" dirty="0"/>
-              <a:t/>
-            </a:r>
             <a:br>
               <a:rPr lang="en-US" altLang="zh-TW" b="1" dirty="0"/>
             </a:br>
@@ -6283,10 +6268,6 @@
               <a:rPr lang="zh-TW" altLang="en-US" b="1" dirty="0"/>
               <a:t>為石頭</a:t>
             </a:r>
-            <a:r>
-              <a:rPr lang="en-US" altLang="zh-TW" b="1" dirty="0"/>
-              <a:t/>
-            </a:r>
             <a:br>
               <a:rPr lang="en-US" altLang="zh-TW" b="1" dirty="0"/>
             </a:br>
@@ -6310,10 +6291,6 @@
               <a:rPr lang="zh-TW" altLang="en-US" b="1" dirty="0"/>
               <a:t>為布</a:t>
             </a:r>
-            <a:r>
-              <a:rPr lang="en-US" altLang="zh-TW" b="1" dirty="0"/>
-              <a:t/>
-            </a:r>
             <a:br>
               <a:rPr lang="en-US" altLang="zh-TW" b="1" dirty="0"/>
             </a:br>
@@ -6369,21 +6346,17 @@
             </a:r>
             <a:r>
               <a:rPr lang="zh-TW" altLang="en-US" b="1" dirty="0"/>
-              <a:t>為</a:t>
-            </a:r>
-            <a:r>
-              <a:rPr lang="zh-TW" altLang="en-US" b="1" dirty="0" smtClean="0"/>
-              <a:t>石頭</a:t>
-            </a:r>
-            <a:endParaRPr lang="en-US" altLang="zh-TW" b="1" dirty="0" smtClean="0"/>
-          </a:p>
-          <a:p>
-            <a:r>
-              <a:rPr lang="zh-TW" altLang="en-US" b="1" dirty="0" smtClean="0"/>
+              <a:t>為石頭</a:t>
+            </a:r>
+            <a:endParaRPr lang="en-US" altLang="zh-TW" b="1" dirty="0"/>
+          </a:p>
+          <a:p>
+            <a:r>
+              <a:rPr lang="zh-TW" altLang="en-US" b="1" dirty="0"/>
               <a:t>   </a:t>
             </a:r>
             <a:r>
-              <a:rPr lang="en-US" altLang="zh-TW" b="1" dirty="0" smtClean="0"/>
+              <a:rPr lang="en-US" altLang="zh-TW" b="1" dirty="0"/>
               <a:t>gamer</a:t>
             </a:r>
             <a:r>
@@ -6441,13 +6414,6 @@
   <p:clrMapOvr>
     <a:masterClrMapping/>
   </p:clrMapOvr>
-  <p:timing>
-    <p:tnLst>
-      <p:par>
-        <p:cTn id="1" dur="indefinite" restart="never" nodeType="tmRoot"/>
-      </p:par>
-    </p:tnLst>
-  </p:timing>
 </p:sld>
 </file>
 
@@ -6538,15 +6504,15 @@
               <a:t> </a:t>
             </a:r>
             <a:r>
-              <a:rPr lang="en-US" altLang="zh-TW" sz="5500" b="1" dirty="0" smtClean="0"/>
+              <a:rPr lang="en-US" altLang="zh-TW" sz="5500" b="1" dirty="0"/>
               <a:t>3-4</a:t>
             </a:r>
             <a:r>
-              <a:rPr lang="zh-TW" altLang="en-US" sz="5500" b="1" dirty="0" smtClean="0"/>
+              <a:rPr lang="zh-TW" altLang="en-US" sz="5500" b="1" dirty="0"/>
               <a:t> </a:t>
             </a:r>
             <a:r>
-              <a:rPr lang="en-US" altLang="zh-TW" sz="5500" b="1" dirty="0" smtClean="0"/>
+              <a:rPr lang="en-US" altLang="zh-TW" sz="5500" b="1" dirty="0"/>
               <a:t>/6</a:t>
             </a:r>
             <a:endParaRPr lang="zh-TW" altLang="en-US" sz="5500" b="1" dirty="0"/>
@@ -6587,38 +6553,38 @@
           <a:lstStyle/>
           <a:p>
             <a:r>
-              <a:rPr lang="zh-TW" altLang="en-US" b="1" dirty="0" smtClean="0"/>
+              <a:rPr lang="zh-TW" altLang="en-US" b="1" dirty="0"/>
               <a:t>第</a:t>
             </a:r>
             <a:r>
-              <a:rPr lang="en-US" altLang="zh-TW" b="1" dirty="0" smtClean="0"/>
+              <a:rPr lang="en-US" altLang="zh-TW" b="1" dirty="0"/>
               <a:t>57</a:t>
             </a:r>
             <a:r>
-              <a:rPr lang="zh-TW" altLang="en-US" b="1" dirty="0" smtClean="0"/>
+              <a:rPr lang="zh-TW" altLang="en-US" b="1" dirty="0"/>
               <a:t>行</a:t>
             </a:r>
             <a:r>
-              <a:rPr lang="en-US" altLang="zh-TW" b="1" dirty="0" smtClean="0"/>
+              <a:rPr lang="en-US" altLang="zh-TW" b="1" dirty="0"/>
               <a:t>~</a:t>
             </a:r>
             <a:r>
-              <a:rPr lang="zh-TW" altLang="en-US" b="1" dirty="0" smtClean="0"/>
+              <a:rPr lang="zh-TW" altLang="en-US" b="1" dirty="0"/>
               <a:t>第</a:t>
             </a:r>
             <a:r>
-              <a:rPr lang="en-US" altLang="zh-TW" b="1" dirty="0" smtClean="0"/>
+              <a:rPr lang="en-US" altLang="zh-TW" b="1" dirty="0"/>
               <a:t>67</a:t>
             </a:r>
             <a:r>
-              <a:rPr lang="zh-TW" altLang="en-US" b="1" dirty="0" smtClean="0"/>
+              <a:rPr lang="zh-TW" altLang="en-US" b="1" dirty="0"/>
               <a:t>行</a:t>
             </a:r>
-            <a:endParaRPr lang="en-US" altLang="zh-TW" b="1" dirty="0" smtClean="0"/>
-          </a:p>
-          <a:p>
-            <a:r>
-              <a:rPr lang="en-US" altLang="zh-TW" b="1" dirty="0" smtClean="0"/>
+            <a:endParaRPr lang="en-US" altLang="zh-TW" b="1" dirty="0"/>
+          </a:p>
+          <a:p>
+            <a:r>
+              <a:rPr lang="en-US" altLang="zh-TW" b="1" dirty="0"/>
               <a:t>If </a:t>
             </a:r>
             <a:r>
@@ -6631,110 +6597,82 @@
             </a:r>
             <a:r>
               <a:rPr lang="zh-TW" altLang="en-US" b="1" dirty="0"/>
-              <a:t> 裏面的</a:t>
-            </a:r>
-            <a:r>
-              <a:rPr lang="zh-TW" altLang="en-US" b="1" dirty="0" smtClean="0"/>
-              <a:t>數字</a:t>
-            </a:r>
-            <a:r>
-              <a:rPr lang="en-US" altLang="zh-TW" b="1" dirty="0"/>
-              <a:t/>
+              <a:t> 裏面的數字</a:t>
             </a:r>
             <a:br>
               <a:rPr lang="en-US" altLang="zh-TW" b="1" dirty="0"/>
             </a:br>
             <a:r>
               <a:rPr lang="zh-TW" altLang="en-US" b="1" dirty="0"/>
-              <a:t>電腦</a:t>
-            </a:r>
-            <a:r>
-              <a:rPr lang="zh-TW" altLang="en-US" b="1" dirty="0" smtClean="0"/>
-              <a:t>獲勝</a:t>
-            </a:r>
-            <a:r>
-              <a:rPr lang="en-US" altLang="zh-TW" b="1" dirty="0" smtClean="0"/>
+              <a:t>電腦獲勝</a:t>
+            </a:r>
+            <a:r>
+              <a:rPr lang="en-US" altLang="zh-TW" b="1" dirty="0"/>
               <a:t>:</a:t>
             </a:r>
           </a:p>
           <a:p>
             <a:r>
-              <a:rPr lang="en-US" altLang="zh-TW" b="1" dirty="0" smtClean="0"/>
+              <a:rPr lang="en-US" altLang="zh-TW" b="1" dirty="0"/>
               <a:t>4</a:t>
             </a:r>
             <a:r>
-              <a:rPr lang="zh-TW" altLang="en-US" b="1" dirty="0" smtClean="0"/>
+              <a:rPr lang="zh-TW" altLang="en-US" b="1" dirty="0"/>
+              <a:t>    </a:t>
+            </a:r>
+            <a:r>
+              <a:rPr lang="en-US" altLang="zh-TW" b="1" dirty="0"/>
+              <a:t>1</a:t>
+            </a:r>
+            <a:r>
+              <a:rPr lang="zh-TW" altLang="en-US" b="1" dirty="0"/>
               <a:t> </a:t>
             </a:r>
             <a:r>
+              <a:rPr lang="en-US" altLang="zh-TW" b="1" dirty="0"/>
+              <a:t>=</a:t>
+            </a:r>
+            <a:r>
               <a:rPr lang="zh-TW" altLang="en-US" b="1" dirty="0"/>
               <a:t> </a:t>
             </a:r>
             <a:r>
-              <a:rPr lang="zh-TW" altLang="en-US" b="1" dirty="0" smtClean="0"/>
-              <a:t>  </a:t>
-            </a:r>
-            <a:r>
-              <a:rPr lang="en-US" altLang="zh-TW" b="1" dirty="0" smtClean="0"/>
-              <a:t>1</a:t>
-            </a:r>
-            <a:r>
-              <a:rPr lang="zh-TW" altLang="en-US" b="1" dirty="0" smtClean="0"/>
+              <a:rPr lang="en-US" altLang="zh-TW" b="1" dirty="0"/>
+              <a:t>5</a:t>
+            </a:r>
+            <a:r>
+              <a:rPr lang="zh-TW" altLang="en-US" b="1" dirty="0"/>
+              <a:t> 電腦獲勝</a:t>
+            </a:r>
+            <a:endParaRPr lang="en-US" altLang="zh-TW" b="1" dirty="0"/>
+          </a:p>
+          <a:p>
+            <a:r>
+              <a:rPr lang="en-US" altLang="zh-TW" b="1" dirty="0"/>
+              <a:t>7</a:t>
+            </a:r>
+            <a:r>
+              <a:rPr lang="zh-TW" altLang="en-US" b="1" dirty="0"/>
+              <a:t>    </a:t>
+            </a:r>
+            <a:r>
+              <a:rPr lang="en-US" altLang="zh-TW" b="1" dirty="0"/>
+              <a:t>2</a:t>
+            </a:r>
+            <a:r>
+              <a:rPr lang="zh-TW" altLang="en-US" b="1" dirty="0"/>
               <a:t> </a:t>
             </a:r>
             <a:r>
-              <a:rPr lang="en-US" altLang="zh-TW" b="1" dirty="0" smtClean="0"/>
+              <a:rPr lang="en-US" altLang="zh-TW" b="1" dirty="0"/>
               <a:t>=</a:t>
             </a:r>
             <a:r>
-              <a:rPr lang="zh-TW" altLang="en-US" b="1" dirty="0" smtClean="0"/>
+              <a:rPr lang="zh-TW" altLang="en-US" b="1" dirty="0"/>
               <a:t> </a:t>
             </a:r>
             <a:r>
-              <a:rPr lang="en-US" altLang="zh-TW" b="1" dirty="0" smtClean="0"/>
-              <a:t>5</a:t>
-            </a:r>
-            <a:r>
-              <a:rPr lang="zh-TW" altLang="en-US" b="1" dirty="0" smtClean="0"/>
-              <a:t> 電腦獲勝</a:t>
-            </a:r>
-            <a:endParaRPr lang="en-US" altLang="zh-TW" b="1" dirty="0" smtClean="0"/>
-          </a:p>
-          <a:p>
-            <a:r>
-              <a:rPr lang="en-US" altLang="zh-TW" b="1" dirty="0" smtClean="0"/>
-              <a:t>7</a:t>
-            </a:r>
-            <a:r>
-              <a:rPr lang="zh-TW" altLang="en-US" b="1" dirty="0" smtClean="0"/>
-              <a:t> </a:t>
-            </a:r>
-            <a:r>
-              <a:rPr lang="zh-TW" altLang="en-US" b="1" dirty="0"/>
-              <a:t> </a:t>
-            </a:r>
-            <a:r>
-              <a:rPr lang="zh-TW" altLang="en-US" b="1" dirty="0" smtClean="0"/>
-              <a:t>  </a:t>
-            </a:r>
-            <a:r>
-              <a:rPr lang="en-US" altLang="zh-TW" b="1" dirty="0" smtClean="0"/>
-              <a:t>2</a:t>
-            </a:r>
-            <a:r>
-              <a:rPr lang="zh-TW" altLang="en-US" b="1" dirty="0" smtClean="0"/>
-              <a:t> </a:t>
-            </a:r>
-            <a:r>
-              <a:rPr lang="en-US" altLang="zh-TW" b="1" dirty="0" smtClean="0"/>
-              <a:t>=</a:t>
-            </a:r>
-            <a:r>
-              <a:rPr lang="zh-TW" altLang="en-US" b="1" dirty="0" smtClean="0"/>
-              <a:t> </a:t>
-            </a:r>
-            <a:r>
-              <a:rPr lang="en-US" altLang="zh-TW" b="1" dirty="0" smtClean="0"/>
+              <a:rPr lang="en-US" altLang="zh-TW" b="1" dirty="0"/>
               <a:t>9</a:t>
             </a:r>
             <a:r>
@@ -6748,30 +6686,30 @@
               <a:buAutoNum type="arabicPlain" startAt="10"/>
             </a:pPr>
             <a:r>
-              <a:rPr lang="en-US" altLang="zh-TW" b="1" dirty="0" smtClean="0"/>
+              <a:rPr lang="en-US" altLang="zh-TW" b="1" dirty="0"/>
               <a:t>0</a:t>
             </a:r>
             <a:r>
-              <a:rPr lang="zh-TW" altLang="en-US" b="1" dirty="0" smtClean="0"/>
+              <a:rPr lang="zh-TW" altLang="en-US" b="1" dirty="0"/>
               <a:t> </a:t>
             </a:r>
             <a:r>
-              <a:rPr lang="en-US" altLang="zh-TW" b="1" dirty="0" smtClean="0"/>
+              <a:rPr lang="en-US" altLang="zh-TW" b="1" dirty="0"/>
               <a:t>=10</a:t>
             </a:r>
             <a:r>
-              <a:rPr lang="zh-TW" altLang="en-US" b="1" dirty="0" smtClean="0"/>
+              <a:rPr lang="zh-TW" altLang="en-US" b="1" dirty="0"/>
               <a:t>電腦獲勝</a:t>
             </a:r>
-            <a:endParaRPr lang="en-US" altLang="zh-TW" b="1" dirty="0" smtClean="0"/>
-          </a:p>
-          <a:p>
-            <a:r>
-              <a:rPr lang="zh-TW" altLang="en-US" b="1" dirty="0" smtClean="0"/>
+            <a:endParaRPr lang="en-US" altLang="zh-TW" b="1" dirty="0"/>
+          </a:p>
+          <a:p>
+            <a:r>
+              <a:rPr lang="zh-TW" altLang="en-US" b="1" dirty="0"/>
               <a:t>平手</a:t>
             </a:r>
             <a:r>
-              <a:rPr lang="en-US" altLang="zh-TW" b="1" dirty="0" smtClean="0"/>
+              <a:rPr lang="en-US" altLang="zh-TW" b="1" dirty="0"/>
               <a:t>:</a:t>
             </a:r>
           </a:p>
@@ -6780,88 +6718,84 @@
               <a:buAutoNum type="arabicPlain" startAt="4"/>
             </a:pPr>
             <a:r>
-              <a:rPr lang="en-US" altLang="zh-TW" b="1" dirty="0" smtClean="0"/>
+              <a:rPr lang="en-US" altLang="zh-TW" b="1" dirty="0"/>
               <a:t>0</a:t>
             </a:r>
             <a:r>
-              <a:rPr lang="zh-TW" altLang="en-US" b="1" dirty="0" smtClean="0"/>
+              <a:rPr lang="zh-TW" altLang="en-US" b="1" dirty="0"/>
               <a:t>  </a:t>
             </a:r>
             <a:r>
-              <a:rPr lang="en-US" altLang="zh-TW" b="1" dirty="0" smtClean="0"/>
+              <a:rPr lang="en-US" altLang="zh-TW" b="1" dirty="0"/>
               <a:t>=4</a:t>
             </a:r>
             <a:r>
-              <a:rPr lang="zh-TW" altLang="en-US" b="1" dirty="0" smtClean="0"/>
+              <a:rPr lang="zh-TW" altLang="en-US" b="1" dirty="0"/>
               <a:t> 平手</a:t>
             </a:r>
-            <a:endParaRPr lang="en-US" altLang="zh-TW" b="1" dirty="0" smtClean="0"/>
-          </a:p>
-          <a:p>
-            <a:r>
-              <a:rPr lang="en-US" altLang="zh-TW" b="1" dirty="0" smtClean="0"/>
+            <a:endParaRPr lang="en-US" altLang="zh-TW" b="1" dirty="0"/>
+          </a:p>
+          <a:p>
+            <a:r>
+              <a:rPr lang="en-US" altLang="zh-TW" b="1" dirty="0"/>
               <a:t>7</a:t>
             </a:r>
             <a:r>
-              <a:rPr lang="zh-TW" altLang="en-US" b="1" dirty="0" smtClean="0"/>
+              <a:rPr lang="zh-TW" altLang="en-US" b="1" dirty="0"/>
               <a:t>    </a:t>
             </a:r>
             <a:r>
-              <a:rPr lang="en-US" altLang="zh-TW" b="1" dirty="0" smtClean="0"/>
+              <a:rPr lang="en-US" altLang="zh-TW" b="1" dirty="0"/>
               <a:t>1</a:t>
             </a:r>
             <a:r>
-              <a:rPr lang="zh-TW" altLang="en-US" b="1" dirty="0" smtClean="0"/>
+              <a:rPr lang="zh-TW" altLang="en-US" b="1" dirty="0"/>
               <a:t>  </a:t>
             </a:r>
             <a:r>
-              <a:rPr lang="en-US" altLang="zh-TW" b="1" dirty="0" smtClean="0"/>
+              <a:rPr lang="en-US" altLang="zh-TW" b="1" dirty="0"/>
               <a:t>=8</a:t>
             </a:r>
             <a:r>
-              <a:rPr lang="zh-TW" altLang="en-US" b="1" dirty="0" smtClean="0"/>
+              <a:rPr lang="zh-TW" altLang="en-US" b="1" dirty="0"/>
               <a:t> 平手</a:t>
             </a:r>
-            <a:endParaRPr lang="en-US" altLang="zh-TW" b="1" dirty="0" smtClean="0"/>
-          </a:p>
-          <a:p>
-            <a:r>
-              <a:rPr lang="en-US" altLang="zh-TW" b="1" dirty="0" smtClean="0"/>
+            <a:endParaRPr lang="en-US" altLang="zh-TW" b="1" dirty="0"/>
+          </a:p>
+          <a:p>
+            <a:r>
+              <a:rPr lang="en-US" altLang="zh-TW" b="1" dirty="0"/>
               <a:t>10</a:t>
             </a:r>
             <a:r>
-              <a:rPr lang="zh-TW" altLang="en-US" b="1" dirty="0" smtClean="0"/>
+              <a:rPr lang="zh-TW" altLang="en-US" b="1" dirty="0"/>
               <a:t>  </a:t>
             </a:r>
             <a:r>
-              <a:rPr lang="en-US" altLang="zh-TW" b="1" dirty="0" smtClean="0"/>
+              <a:rPr lang="en-US" altLang="zh-TW" b="1" dirty="0"/>
               <a:t>2</a:t>
             </a:r>
             <a:r>
-              <a:rPr lang="zh-TW" altLang="en-US" b="1" dirty="0" smtClean="0"/>
+              <a:rPr lang="zh-TW" altLang="en-US" b="1" dirty="0"/>
               <a:t>  </a:t>
             </a:r>
             <a:r>
-              <a:rPr lang="en-US" altLang="zh-TW" b="1" dirty="0" smtClean="0"/>
-              <a:t>=</a:t>
-            </a:r>
-            <a:r>
-              <a:rPr lang="en-US" altLang="zh-TW" b="1" dirty="0"/>
-              <a:t>4</a:t>
+              <a:rPr lang="en-US" altLang="zh-TW" b="1" dirty="0"/>
+              <a:t>=4</a:t>
             </a:r>
             <a:r>
               <a:rPr lang="zh-TW" altLang="en-US" b="1" dirty="0"/>
               <a:t> 平手</a:t>
             </a:r>
-            <a:endParaRPr lang="en-US" altLang="zh-TW" b="1" dirty="0" smtClean="0"/>
-          </a:p>
-          <a:p>
-            <a:r>
-              <a:rPr lang="zh-TW" altLang="en-US" b="1" dirty="0" smtClean="0"/>
+            <a:endParaRPr lang="en-US" altLang="zh-TW" b="1" dirty="0"/>
+          </a:p>
+          <a:p>
+            <a:r>
+              <a:rPr lang="zh-TW" altLang="en-US" b="1" dirty="0"/>
               <a:t>玩家</a:t>
             </a:r>
             <a:r>
-              <a:rPr lang="en-US" altLang="zh-TW" b="1" dirty="0" smtClean="0"/>
+              <a:rPr lang="en-US" altLang="zh-TW" b="1" dirty="0"/>
               <a:t>:</a:t>
             </a:r>
           </a:p>
@@ -6870,57 +6804,57 @@
               <a:buAutoNum type="arabicPlain" startAt="4"/>
             </a:pPr>
             <a:r>
-              <a:rPr lang="en-US" altLang="zh-TW" b="1" dirty="0" smtClean="0"/>
+              <a:rPr lang="en-US" altLang="zh-TW" b="1" dirty="0"/>
               <a:t>2</a:t>
             </a:r>
             <a:r>
-              <a:rPr lang="zh-TW" altLang="en-US" b="1" dirty="0" smtClean="0"/>
+              <a:rPr lang="zh-TW" altLang="en-US" b="1" dirty="0"/>
               <a:t>  </a:t>
             </a:r>
             <a:r>
-              <a:rPr lang="en-US" altLang="zh-TW" b="1" dirty="0" smtClean="0"/>
+              <a:rPr lang="en-US" altLang="zh-TW" b="1" dirty="0"/>
               <a:t>=6</a:t>
             </a:r>
             <a:r>
-              <a:rPr lang="zh-TW" altLang="en-US" b="1" dirty="0" smtClean="0"/>
+              <a:rPr lang="zh-TW" altLang="en-US" b="1" dirty="0"/>
               <a:t> 玩家獲勝</a:t>
             </a:r>
-            <a:endParaRPr lang="en-US" altLang="zh-TW" b="1" dirty="0" smtClean="0"/>
-          </a:p>
-          <a:p>
-            <a:r>
-              <a:rPr lang="en-US" altLang="zh-TW" b="1" dirty="0" smtClean="0"/>
+            <a:endParaRPr lang="en-US" altLang="zh-TW" b="1" dirty="0"/>
+          </a:p>
+          <a:p>
+            <a:r>
+              <a:rPr lang="en-US" altLang="zh-TW" b="1" dirty="0"/>
               <a:t>7</a:t>
             </a:r>
             <a:r>
-              <a:rPr lang="zh-TW" altLang="en-US" b="1" dirty="0" smtClean="0"/>
+              <a:rPr lang="zh-TW" altLang="en-US" b="1" dirty="0"/>
               <a:t>    </a:t>
             </a:r>
             <a:r>
-              <a:rPr lang="en-US" altLang="zh-TW" b="1" dirty="0" smtClean="0"/>
+              <a:rPr lang="en-US" altLang="zh-TW" b="1" dirty="0"/>
               <a:t>0</a:t>
             </a:r>
             <a:r>
-              <a:rPr lang="zh-TW" altLang="en-US" b="1" dirty="0" smtClean="0"/>
+              <a:rPr lang="zh-TW" altLang="en-US" b="1" dirty="0"/>
               <a:t> </a:t>
             </a:r>
             <a:r>
-              <a:rPr lang="en-US" altLang="zh-TW" b="1" dirty="0" smtClean="0"/>
+              <a:rPr lang="en-US" altLang="zh-TW" b="1" dirty="0"/>
               <a:t>=7</a:t>
             </a:r>
             <a:r>
-              <a:rPr lang="zh-TW" altLang="en-US" b="1" dirty="0" smtClean="0"/>
+              <a:rPr lang="zh-TW" altLang="en-US" b="1" dirty="0"/>
               <a:t> 玩家獲勝</a:t>
             </a:r>
             <a:endParaRPr lang="en-US" altLang="zh-TW" b="1" dirty="0"/>
           </a:p>
           <a:p>
             <a:r>
-              <a:rPr lang="en-US" altLang="zh-TW" b="1" dirty="0" smtClean="0"/>
+              <a:rPr lang="en-US" altLang="zh-TW" b="1" dirty="0"/>
               <a:t>10  1 =11</a:t>
             </a:r>
             <a:r>
-              <a:rPr lang="zh-TW" altLang="en-US" b="1" dirty="0" smtClean="0"/>
+              <a:rPr lang="zh-TW" altLang="en-US" b="1" dirty="0"/>
               <a:t>玩家獲勝</a:t>
             </a:r>
             <a:endParaRPr lang="en-US" altLang="zh-TW" b="1" dirty="0"/>
@@ -6970,13 +6904,6 @@
   <p:clrMapOvr>
     <a:masterClrMapping/>
   </p:clrMapOvr>
-  <p:timing>
-    <p:tnLst>
-      <p:par>
-        <p:cTn id="1" dur="indefinite" restart="never" nodeType="tmRoot"/>
-      </p:par>
-    </p:tnLst>
-  </p:timing>
 </p:sld>
 </file>
 
@@ -7067,15 +6994,15 @@
               <a:t> </a:t>
             </a:r>
             <a:r>
-              <a:rPr lang="en-US" altLang="zh-TW" sz="5500" b="1" dirty="0" smtClean="0"/>
+              <a:rPr lang="en-US" altLang="zh-TW" sz="5500" b="1" dirty="0"/>
               <a:t>4</a:t>
             </a:r>
             <a:r>
-              <a:rPr lang="zh-TW" altLang="en-US" sz="5500" b="1" dirty="0" smtClean="0"/>
+              <a:rPr lang="zh-TW" altLang="en-US" sz="5500" b="1" dirty="0"/>
               <a:t> </a:t>
             </a:r>
             <a:r>
-              <a:rPr lang="en-US" altLang="zh-TW" sz="5500" b="1" dirty="0" smtClean="0"/>
+              <a:rPr lang="en-US" altLang="zh-TW" sz="5500" b="1" dirty="0"/>
               <a:t>/6</a:t>
             </a:r>
             <a:endParaRPr lang="zh-TW" altLang="en-US" sz="5500" b="1" dirty="0"/>
@@ -7103,8 +7030,8 @@
         </p:blipFill>
         <p:spPr>
           <a:xfrm>
-            <a:off x="333649" y="790689"/>
-            <a:ext cx="5453376" cy="2815524"/>
+            <a:off x="333649" y="698500"/>
+            <a:ext cx="5631936" cy="2907713"/>
           </a:xfrm>
           <a:prstGeom prst="rect">
             <a:avLst/>
@@ -7133,8 +7060,8 @@
         </p:blipFill>
         <p:spPr>
           <a:xfrm>
-            <a:off x="5787024" y="3606211"/>
-            <a:ext cx="4910623" cy="3102221"/>
+            <a:off x="5876304" y="3504635"/>
+            <a:ext cx="5071411" cy="3203797"/>
           </a:xfrm>
           <a:prstGeom prst="rect">
             <a:avLst/>
@@ -7163,8 +7090,8 @@
         </p:blipFill>
         <p:spPr>
           <a:xfrm>
-            <a:off x="333649" y="3606212"/>
-            <a:ext cx="5453376" cy="3102221"/>
+            <a:off x="333649" y="3555424"/>
+            <a:ext cx="5542655" cy="3153008"/>
           </a:xfrm>
           <a:prstGeom prst="rect">
             <a:avLst/>
@@ -7193,8 +7120,8 @@
         </p:blipFill>
         <p:spPr>
           <a:xfrm>
-            <a:off x="5787025" y="790689"/>
-            <a:ext cx="4910623" cy="2815524"/>
+            <a:off x="5876304" y="698500"/>
+            <a:ext cx="5071412" cy="2907713"/>
           </a:xfrm>
           <a:prstGeom prst="rect">
             <a:avLst/>
@@ -7489,15 +7416,15 @@
               <a:t> </a:t>
             </a:r>
             <a:r>
-              <a:rPr lang="en-US" altLang="zh-TW" sz="5500" b="1" dirty="0" smtClean="0"/>
+              <a:rPr lang="en-US" altLang="zh-TW" sz="5500" b="1" dirty="0"/>
               <a:t>5</a:t>
             </a:r>
             <a:r>
-              <a:rPr lang="zh-TW" altLang="en-US" sz="5500" b="1" dirty="0" smtClean="0"/>
+              <a:rPr lang="zh-TW" altLang="en-US" sz="5500" b="1" dirty="0"/>
               <a:t> </a:t>
             </a:r>
             <a:r>
-              <a:rPr lang="en-US" altLang="zh-TW" sz="5500" b="1" dirty="0" smtClean="0"/>
+              <a:rPr lang="en-US" altLang="zh-TW" sz="5500" b="1" dirty="0"/>
               <a:t>/6</a:t>
             </a:r>
             <a:endParaRPr lang="zh-TW" altLang="en-US" sz="5500" b="1" dirty="0"/>
@@ -7589,28 +7516,24 @@
           <a:lstStyle/>
           <a:p>
             <a:r>
-              <a:rPr lang="zh-TW" altLang="en-US" b="1" dirty="0" smtClean="0"/>
+              <a:rPr lang="zh-TW" altLang="en-US" b="1" dirty="0"/>
               <a:t>第</a:t>
             </a:r>
             <a:r>
-              <a:rPr lang="en-US" altLang="zh-TW" b="1" dirty="0" smtClean="0"/>
-              <a:t>13</a:t>
-            </a:r>
-            <a:r>
-              <a:rPr lang="zh-TW" altLang="en-US" b="1" dirty="0" smtClean="0"/>
+              <a:rPr lang="en-US" altLang="zh-TW" b="1" dirty="0"/>
+              <a:t>17</a:t>
+            </a:r>
+            <a:r>
+              <a:rPr lang="zh-TW" altLang="en-US" b="1" dirty="0"/>
               <a:t>行</a:t>
             </a:r>
-            <a:endParaRPr lang="en-US" altLang="zh-TW" b="1" dirty="0" smtClean="0"/>
+            <a:endParaRPr lang="en-US" altLang="zh-TW" b="1" dirty="0"/>
           </a:p>
           <a:p>
             <a:r>
               <a:rPr lang="zh-TW" altLang="en-US" b="1" dirty="0"/>
               <a:t>改視窗的名稱</a:t>
             </a:r>
-            <a:r>
-              <a:rPr lang="en-US" altLang="zh-TW" b="1" dirty="0"/>
-              <a:t/>
-            </a:r>
             <a:br>
               <a:rPr lang="en-US" altLang="zh-TW" b="1" dirty="0"/>
             </a:br>
@@ -7623,90 +7546,78 @@
               <a:t>+</a:t>
             </a:r>
             <a:r>
-              <a:rPr lang="zh-TW" altLang="en-US" b="1" dirty="0" smtClean="0"/>
+              <a:rPr lang="zh-TW" altLang="en-US" b="1" dirty="0"/>
               <a:t>檔名</a:t>
             </a:r>
-            <a:r>
-              <a:rPr lang="en-US" altLang="zh-TW" b="1" dirty="0"/>
-              <a:t/>
-            </a:r>
             <a:br>
               <a:rPr lang="en-US" altLang="zh-TW" b="1" dirty="0"/>
             </a:br>
             <a:r>
-              <a:rPr lang="zh-TW" altLang="en-US" b="1" dirty="0" smtClean="0"/>
+              <a:rPr lang="zh-TW" altLang="en-US" b="1" dirty="0"/>
               <a:t>第</a:t>
             </a:r>
             <a:r>
-              <a:rPr lang="en-US" altLang="zh-TW" b="1" dirty="0" smtClean="0"/>
+              <a:rPr lang="en-US" altLang="zh-TW" b="1" dirty="0"/>
               <a:t>36</a:t>
             </a:r>
             <a:r>
-              <a:rPr lang="zh-TW" altLang="en-US" b="1" dirty="0" smtClean="0"/>
+              <a:rPr lang="zh-TW" altLang="en-US" b="1" dirty="0"/>
               <a:t>行</a:t>
             </a:r>
-            <a:endParaRPr lang="en-US" altLang="zh-TW" b="1" dirty="0" smtClean="0"/>
-          </a:p>
-          <a:p>
-            <a:r>
-              <a:rPr lang="en-US" altLang="zh-TW" b="1" dirty="0" smtClean="0"/>
+            <a:endParaRPr lang="en-US" altLang="zh-TW" b="1" dirty="0"/>
+          </a:p>
+          <a:p>
+            <a:r>
+              <a:rPr lang="en-US" altLang="zh-TW" b="1" dirty="0"/>
               <a:t>Timeout /t</a:t>
             </a:r>
             <a:r>
-              <a:rPr lang="zh-TW" altLang="en-US" b="1" dirty="0" smtClean="0"/>
+              <a:rPr lang="zh-TW" altLang="en-US" b="1" dirty="0"/>
               <a:t> </a:t>
             </a:r>
             <a:r>
-              <a:rPr lang="en-US" altLang="zh-TW" b="1" dirty="0" smtClean="0"/>
+              <a:rPr lang="en-US" altLang="zh-TW" b="1" dirty="0"/>
               <a:t>5</a:t>
             </a:r>
             <a:r>
-              <a:rPr lang="zh-TW" altLang="en-US" b="1" dirty="0" smtClean="0"/>
+              <a:rPr lang="zh-TW" altLang="en-US" b="1" dirty="0"/>
               <a:t> 五秒後或者任意鍵下一步</a:t>
             </a:r>
-            <a:endParaRPr lang="en-US" altLang="zh-TW" b="1" dirty="0" smtClean="0"/>
-          </a:p>
-          <a:p>
-            <a:r>
-              <a:rPr lang="zh-TW" altLang="en-US" b="1" dirty="0" smtClean="0"/>
+            <a:endParaRPr lang="en-US" altLang="zh-TW" b="1" dirty="0"/>
+          </a:p>
+          <a:p>
+            <a:r>
+              <a:rPr lang="zh-TW" altLang="en-US" b="1" dirty="0"/>
               <a:t>第</a:t>
             </a:r>
             <a:r>
-              <a:rPr lang="en-US" altLang="zh-TW" b="1" dirty="0" smtClean="0"/>
+              <a:rPr lang="en-US" altLang="zh-TW" b="1" dirty="0"/>
               <a:t>41</a:t>
             </a:r>
             <a:r>
-              <a:rPr lang="zh-TW" altLang="en-US" b="1" dirty="0" smtClean="0"/>
+              <a:rPr lang="zh-TW" altLang="en-US" b="1" dirty="0"/>
               <a:t>行</a:t>
             </a:r>
             <a:endParaRPr lang="en-US" altLang="zh-TW" b="1" dirty="0"/>
           </a:p>
           <a:p>
             <a:r>
-              <a:rPr lang="zh-TW" altLang="en-US" b="1" dirty="0" smtClean="0"/>
-              <a:t>單純</a:t>
-            </a:r>
-            <a:r>
-              <a:rPr lang="zh-TW" altLang="en-US" b="1" dirty="0"/>
-              <a:t>清除畫面</a:t>
-            </a:r>
-            <a:r>
-              <a:rPr lang="en-US" altLang="zh-TW" b="1" dirty="0"/>
-              <a:t/>
+              <a:rPr lang="zh-TW" altLang="en-US" b="1" dirty="0"/>
+              <a:t>單純清除畫面</a:t>
             </a:r>
             <a:br>
               <a:rPr lang="en-US" altLang="zh-TW" b="1" dirty="0"/>
             </a:br>
             <a:r>
-              <a:rPr lang="zh-TW" altLang="en-US" b="1" dirty="0" smtClean="0"/>
+              <a:rPr lang="zh-TW" altLang="en-US" b="1" dirty="0"/>
               <a:t>第</a:t>
             </a:r>
             <a:r>
-              <a:rPr lang="en-US" altLang="zh-TW" b="1" dirty="0" smtClean="0"/>
-              <a:t>66</a:t>
-            </a:r>
-            <a:r>
-              <a:rPr lang="zh-TW" altLang="en-US" b="1" dirty="0" smtClean="0"/>
+              <a:rPr lang="en-US" altLang="zh-TW" b="1"/>
+              <a:t>69</a:t>
+            </a:r>
+            <a:r>
+              <a:rPr lang="zh-TW" altLang="en-US" b="1"/>
               <a:t>行</a:t>
             </a:r>
             <a:endParaRPr lang="en-US" altLang="zh-TW" b="1" dirty="0"/>
@@ -8033,15 +7944,15 @@
               <a:t> </a:t>
             </a:r>
             <a:r>
-              <a:rPr lang="en-US" altLang="zh-TW" sz="5500" b="1" dirty="0" smtClean="0"/>
+              <a:rPr lang="en-US" altLang="zh-TW" sz="5500" b="1" dirty="0"/>
               <a:t>6</a:t>
             </a:r>
             <a:r>
-              <a:rPr lang="zh-TW" altLang="en-US" sz="5500" b="1" dirty="0" smtClean="0"/>
+              <a:rPr lang="zh-TW" altLang="en-US" sz="5500" b="1" dirty="0"/>
               <a:t> </a:t>
             </a:r>
             <a:r>
-              <a:rPr lang="en-US" altLang="zh-TW" sz="5500" b="1" dirty="0" smtClean="0"/>
+              <a:rPr lang="en-US" altLang="zh-TW" sz="5500" b="1" dirty="0"/>
               <a:t>/6</a:t>
             </a:r>
             <a:endParaRPr lang="zh-TW" altLang="en-US" sz="5500" b="1" dirty="0"/>
@@ -8087,13 +7998,8 @@
             <a:pPr algn="ctr"/>
             <a:r>
               <a:rPr lang="zh-TW" altLang="en-US" sz="4800" b="1" dirty="0"/>
-              <a:t>感謝</a:t>
-            </a:r>
-            <a:r>
-              <a:rPr lang="zh-TW" altLang="en-US" sz="4800" b="1" dirty="0" smtClean="0"/>
-              <a:t>諸位</a:t>
-            </a:r>
-            <a:endParaRPr lang="zh-TW" altLang="en-US" sz="4800" b="1" dirty="0"/>
+              <a:t>感謝諸位</a:t>
+            </a:r>
           </a:p>
         </p:txBody>
       </p:sp>
@@ -8107,13 +8013,6 @@
   <p:clrMapOvr>
     <a:overrideClrMapping bg1="dk1" tx1="lt1" bg2="dk2" tx2="lt2" accent1="accent1" accent2="accent2" accent3="accent3" accent4="accent4" accent5="accent5" accent6="accent6" hlink="hlink" folHlink="folHlink"/>
   </p:clrMapOvr>
-  <p:timing>
-    <p:tnLst>
-      <p:par>
-        <p:cTn id="1" dur="indefinite" restart="never" nodeType="tmRoot"/>
-      </p:par>
-    </p:tnLst>
-  </p:timing>
 </p:sld>
 </file>
 
@@ -8204,46 +8103,26 @@
           <a:p>
             <a:r>
               <a:rPr lang="zh-TW" altLang="en-US" b="1" dirty="0"/>
-              <a:t>這個程式碼 修改過 </a:t>
-            </a:r>
-            <a:r>
-              <a:rPr lang="zh-TW" altLang="en-US" b="1" dirty="0" smtClean="0"/>
-              <a:t>註解簡體</a:t>
-            </a:r>
-            <a:r>
-              <a:rPr lang="zh-TW" altLang="en-US" b="1" dirty="0"/>
-              <a:t>轉</a:t>
-            </a:r>
-            <a:r>
-              <a:rPr lang="zh-TW" altLang="en-US" b="1" dirty="0" smtClean="0"/>
-              <a:t>繁體，增加一些</a:t>
-            </a:r>
-            <a:r>
-              <a:rPr lang="zh-TW" altLang="en-US" b="1" dirty="0"/>
-              <a:t>神祕東西</a:t>
-            </a:r>
-            <a:endParaRPr lang="en-US" altLang="zh-TW" b="1" dirty="0" smtClean="0"/>
-          </a:p>
-          <a:p>
-            <a:r>
-              <a:rPr lang="zh-TW" altLang="en-US" b="1" dirty="0" smtClean="0"/>
+              <a:t>這個程式碼 修改過 註解簡體轉繁體，增加一些神祕東西</a:t>
+            </a:r>
+            <a:endParaRPr lang="en-US" altLang="zh-TW" b="1" dirty="0"/>
+          </a:p>
+          <a:p>
+            <a:r>
+              <a:rPr lang="zh-TW" altLang="en-US" b="1" dirty="0"/>
               <a:t>改</a:t>
             </a:r>
             <a:r>
-              <a:rPr lang="en-US" altLang="zh-TW" b="1" dirty="0" err="1" smtClean="0"/>
+              <a:rPr lang="en-US" altLang="zh-TW" b="1" dirty="0" err="1"/>
               <a:t>printf</a:t>
             </a:r>
             <a:r>
-              <a:rPr lang="en-US" altLang="zh-TW" b="1" dirty="0" smtClean="0"/>
+              <a:rPr lang="en-US" altLang="zh-TW" b="1" dirty="0"/>
               <a:t>()</a:t>
             </a:r>
             <a:r>
-              <a:rPr lang="zh-TW" altLang="en-US" b="1" dirty="0" smtClean="0"/>
+              <a:rPr lang="zh-TW" altLang="en-US" b="1" dirty="0"/>
               <a:t>輸出顏色</a:t>
-            </a:r>
-            <a:r>
-              <a:rPr lang="en-US" altLang="zh-TW" b="1" dirty="0"/>
-              <a:t/>
             </a:r>
             <a:br>
               <a:rPr lang="en-US" altLang="zh-TW" b="1" dirty="0"/>
@@ -8268,13 +8147,6 @@
   <p:clrMapOvr>
     <a:masterClrMapping/>
   </p:clrMapOvr>
-  <p:timing>
-    <p:tnLst>
-      <p:par>
-        <p:cTn id="1" dur="indefinite" restart="never" nodeType="tmRoot"/>
-      </p:par>
-    </p:tnLst>
-  </p:timing>
 </p:sld>
 </file>
 
@@ -8363,13 +8235,6 @@
   <p:clrMapOvr>
     <a:masterClrMapping/>
   </p:clrMapOvr>
-  <p:timing>
-    <p:tnLst>
-      <p:par>
-        <p:cTn id="1" dur="indefinite" restart="never" nodeType="tmRoot"/>
-      </p:par>
-    </p:tnLst>
-  </p:timing>
 </p:sld>
 </file>
 
@@ -8443,13 +8308,6 @@
   <p:clrMapOvr>
     <a:masterClrMapping/>
   </p:clrMapOvr>
-  <p:timing>
-    <p:tnLst>
-      <p:par>
-        <p:cTn id="1" dur="indefinite" restart="never" nodeType="tmRoot"/>
-      </p:par>
-    </p:tnLst>
-  </p:timing>
 </p:sld>
 </file>
 
@@ -8548,7 +8406,7 @@
               <a:t> </a:t>
             </a:r>
             <a:r>
-              <a:rPr lang="en-US" altLang="zh-TW" sz="5500" b="1" dirty="0" smtClean="0"/>
+              <a:rPr lang="en-US" altLang="zh-TW" sz="5500" b="1" dirty="0"/>
               <a:t>/6</a:t>
             </a:r>
             <a:endParaRPr lang="zh-TW" altLang="en-US" sz="5500" b="1" dirty="0"/>
@@ -8592,55 +8450,47 @@
               <a:rPr lang="zh-TW" altLang="en-US" dirty="0"/>
               <a:t>預先加載需要的資料包</a:t>
             </a:r>
-            <a:r>
-              <a:rPr lang="en-US" altLang="zh-TW" dirty="0"/>
-              <a:t/>
-            </a:r>
             <a:br>
               <a:rPr lang="en-US" altLang="zh-TW" dirty="0"/>
             </a:br>
             <a:r>
-              <a:rPr lang="zh-TW" altLang="en-US" dirty="0" smtClean="0"/>
+              <a:rPr lang="zh-TW" altLang="en-US" dirty="0"/>
               <a:t>第</a:t>
             </a:r>
             <a:r>
-              <a:rPr lang="en-US" altLang="zh-TW" dirty="0" smtClean="0"/>
+              <a:rPr lang="en-US" altLang="zh-TW" dirty="0"/>
               <a:t>2</a:t>
             </a:r>
             <a:r>
-              <a:rPr lang="zh-TW" altLang="en-US" dirty="0" smtClean="0"/>
+              <a:rPr lang="zh-TW" altLang="en-US" dirty="0"/>
               <a:t>、</a:t>
             </a:r>
             <a:r>
-              <a:rPr lang="en-US" altLang="zh-TW" dirty="0" smtClean="0"/>
+              <a:rPr lang="en-US" altLang="zh-TW" dirty="0"/>
               <a:t>3</a:t>
             </a:r>
             <a:r>
-              <a:rPr lang="zh-TW" altLang="en-US" dirty="0" smtClean="0"/>
+              <a:rPr lang="zh-TW" altLang="en-US" dirty="0"/>
               <a:t>行</a:t>
             </a:r>
-            <a:endParaRPr lang="en-US" altLang="zh-TW" dirty="0" smtClean="0"/>
-          </a:p>
-          <a:p>
-            <a:r>
-              <a:rPr lang="en-US" altLang="zh-TW" dirty="0" err="1" smtClean="0"/>
+            <a:endParaRPr lang="en-US" altLang="zh-TW" dirty="0"/>
+          </a:p>
+          <a:p>
+            <a:r>
+              <a:rPr lang="en-US" altLang="zh-TW" dirty="0" err="1"/>
               <a:t>stdio.h</a:t>
             </a:r>
             <a:r>
-              <a:rPr lang="en-US" altLang="zh-TW" dirty="0" smtClean="0"/>
+              <a:rPr lang="en-US" altLang="zh-TW" dirty="0"/>
               <a:t>/</a:t>
             </a:r>
             <a:r>
-              <a:rPr lang="en-US" altLang="zh-TW" dirty="0" err="1" smtClean="0"/>
+              <a:rPr lang="en-US" altLang="zh-TW" dirty="0" err="1"/>
               <a:t>stdlib.h</a:t>
             </a:r>
             <a:r>
-              <a:rPr lang="en-US" altLang="zh-TW" dirty="0" smtClean="0"/>
-              <a:t> </a:t>
-            </a:r>
-            <a:r>
               <a:rPr lang="en-US" altLang="zh-TW" dirty="0"/>
-              <a:t>C</a:t>
+              <a:t> C</a:t>
             </a:r>
             <a:r>
               <a:rPr lang="zh-TW" altLang="en-US" dirty="0"/>
@@ -8650,26 +8500,26 @@
           </a:p>
           <a:p>
             <a:r>
-              <a:rPr lang="zh-TW" altLang="en-US" dirty="0" smtClean="0"/>
+              <a:rPr lang="zh-TW" altLang="en-US" dirty="0"/>
               <a:t>第</a:t>
             </a:r>
             <a:r>
-              <a:rPr lang="en-US" altLang="zh-TW" dirty="0" smtClean="0"/>
+              <a:rPr lang="en-US" altLang="zh-TW" dirty="0"/>
               <a:t>4</a:t>
             </a:r>
             <a:r>
-              <a:rPr lang="zh-TW" altLang="en-US" dirty="0" smtClean="0"/>
+              <a:rPr lang="zh-TW" altLang="en-US" dirty="0"/>
               <a:t>行</a:t>
             </a:r>
-            <a:endParaRPr lang="en-US" altLang="zh-TW" dirty="0" smtClean="0"/>
-          </a:p>
-          <a:p>
-            <a:r>
-              <a:rPr lang="en-US" altLang="zh-TW" dirty="0" err="1" smtClean="0"/>
+            <a:endParaRPr lang="en-US" altLang="zh-TW" dirty="0"/>
+          </a:p>
+          <a:p>
+            <a:r>
+              <a:rPr lang="en-US" altLang="zh-TW" dirty="0" err="1"/>
               <a:t>Time.h</a:t>
             </a:r>
             <a:r>
-              <a:rPr lang="zh-TW" altLang="en-US" dirty="0" smtClean="0"/>
+              <a:rPr lang="zh-TW" altLang="en-US" dirty="0"/>
               <a:t> </a:t>
             </a:r>
             <a:r>
@@ -8684,26 +8534,26 @@
           </a:p>
           <a:p>
             <a:r>
-              <a:rPr lang="zh-TW" altLang="en-US" dirty="0" smtClean="0"/>
+              <a:rPr lang="zh-TW" altLang="en-US" dirty="0"/>
               <a:t>第</a:t>
             </a:r>
             <a:r>
-              <a:rPr lang="en-US" altLang="zh-TW" dirty="0" smtClean="0"/>
+              <a:rPr lang="en-US" altLang="zh-TW" dirty="0"/>
               <a:t>5</a:t>
             </a:r>
             <a:r>
-              <a:rPr lang="zh-TW" altLang="en-US" dirty="0" smtClean="0"/>
+              <a:rPr lang="zh-TW" altLang="en-US" dirty="0"/>
               <a:t>行</a:t>
             </a:r>
-            <a:endParaRPr lang="en-US" altLang="zh-TW" dirty="0" smtClean="0"/>
-          </a:p>
-          <a:p>
-            <a:r>
-              <a:rPr lang="en-US" altLang="zh-TW" dirty="0" err="1" smtClean="0"/>
+            <a:endParaRPr lang="en-US" altLang="zh-TW" dirty="0"/>
+          </a:p>
+          <a:p>
+            <a:r>
+              <a:rPr lang="en-US" altLang="zh-TW" dirty="0" err="1"/>
               <a:t>Windows.h</a:t>
             </a:r>
             <a:r>
-              <a:rPr lang="zh-TW" altLang="en-US" dirty="0" smtClean="0"/>
+              <a:rPr lang="zh-TW" altLang="en-US" dirty="0"/>
               <a:t>  </a:t>
             </a:r>
             <a:r>
@@ -8762,13 +8612,6 @@
   <p:clrMapOvr>
     <a:masterClrMapping/>
   </p:clrMapOvr>
-  <p:timing>
-    <p:tnLst>
-      <p:par>
-        <p:cTn id="1" dur="indefinite" restart="never" nodeType="tmRoot"/>
-      </p:par>
-    </p:tnLst>
-  </p:timing>
 </p:sld>
 </file>
 
@@ -8867,7 +8710,7 @@
               <a:t> </a:t>
             </a:r>
             <a:r>
-              <a:rPr lang="en-US" altLang="zh-TW" sz="5500" b="1" dirty="0" smtClean="0"/>
+              <a:rPr lang="en-US" altLang="zh-TW" sz="5500" b="1" dirty="0"/>
               <a:t>/6</a:t>
             </a:r>
             <a:endParaRPr lang="zh-TW" altLang="en-US" sz="5500" b="1" dirty="0"/>
@@ -8908,65 +8751,57 @@
           <a:lstStyle/>
           <a:p>
             <a:r>
-              <a:rPr lang="zh-TW" altLang="en-US" b="1" dirty="0" smtClean="0"/>
+              <a:rPr lang="zh-TW" altLang="en-US" b="1" dirty="0"/>
               <a:t>第</a:t>
             </a:r>
             <a:r>
-              <a:rPr lang="en-US" altLang="zh-TW" b="1" dirty="0" smtClean="0"/>
+              <a:rPr lang="en-US" altLang="zh-TW" b="1" dirty="0"/>
               <a:t>6</a:t>
             </a:r>
             <a:r>
-              <a:rPr lang="zh-TW" altLang="en-US" b="1" dirty="0" smtClean="0"/>
+              <a:rPr lang="zh-TW" altLang="en-US" b="1" dirty="0"/>
               <a:t>行</a:t>
             </a:r>
             <a:r>
-              <a:rPr lang="en-US" altLang="zh-TW" b="1" dirty="0" smtClean="0"/>
+              <a:rPr lang="en-US" altLang="zh-TW" b="1" dirty="0"/>
               <a:t>~</a:t>
             </a:r>
             <a:r>
-              <a:rPr lang="zh-TW" altLang="en-US" b="1" dirty="0" smtClean="0"/>
+              <a:rPr lang="zh-TW" altLang="en-US" b="1" dirty="0"/>
               <a:t>第</a:t>
             </a:r>
             <a:r>
-              <a:rPr lang="en-US" altLang="zh-TW" b="1" dirty="0" smtClean="0"/>
+              <a:rPr lang="en-US" altLang="zh-TW" b="1" dirty="0"/>
               <a:t>11</a:t>
             </a:r>
             <a:r>
-              <a:rPr lang="zh-TW" altLang="en-US" b="1" dirty="0" smtClean="0"/>
-              <a:t>行</a:t>
-            </a:r>
-            <a:endParaRPr lang="en-US" altLang="zh-TW" b="1" dirty="0" smtClean="0"/>
-          </a:p>
-          <a:p>
-            <a:r>
-              <a:rPr lang="en-US" altLang="zh-TW" b="1" dirty="0" smtClean="0"/>
+              <a:rPr lang="zh-TW" altLang="en-US" b="1" dirty="0"/>
+              <a:t>行 </a:t>
+            </a:r>
+            <a:endParaRPr lang="en-US" altLang="zh-TW" b="1" dirty="0"/>
+          </a:p>
+          <a:p>
+            <a:r>
+              <a:rPr lang="en-US" altLang="zh-TW" b="1" dirty="0"/>
               <a:t>Color </a:t>
             </a:r>
             <a:r>
               <a:rPr lang="zh-TW" altLang="en-US" b="1" dirty="0"/>
-              <a:t>當函式，要改輸出字的顏色，用呼叫函式來</a:t>
-            </a:r>
-            <a:r>
-              <a:rPr lang="zh-TW" altLang="en-US" b="1" dirty="0" smtClean="0"/>
-              <a:t>改</a:t>
-            </a:r>
-            <a:r>
-              <a:rPr lang="en-US" altLang="zh-TW" b="1" dirty="0" smtClean="0"/>
-              <a:t/>
+              <a:t>當函式，要改輸出字的顏色，用呼叫函式來改</a:t>
             </a:r>
             <a:br>
-              <a:rPr lang="en-US" altLang="zh-TW" b="1" dirty="0" smtClean="0"/>
+              <a:rPr lang="en-US" altLang="zh-TW" b="1" dirty="0"/>
             </a:br>
             <a:r>
-              <a:rPr lang="en-US" altLang="zh-TW" b="1" dirty="0" err="1" smtClean="0"/>
+              <a:rPr lang="en-US" altLang="zh-TW" b="1" dirty="0" err="1"/>
               <a:t>SetConsoleTextAttribute</a:t>
             </a:r>
             <a:r>
-              <a:rPr lang="en-US" altLang="zh-TW" b="1" dirty="0" smtClean="0"/>
+              <a:rPr lang="en-US" altLang="zh-TW" b="1" dirty="0"/>
               <a:t> </a:t>
             </a:r>
             <a:r>
-              <a:rPr lang="zh-TW" altLang="en-US" b="1" dirty="0" smtClean="0"/>
+              <a:rPr lang="zh-TW" altLang="en-US" b="1" dirty="0"/>
               <a:t>是</a:t>
             </a:r>
             <a:r>
@@ -8975,34 +8810,22 @@
             </a:r>
             <a:r>
               <a:rPr lang="zh-TW" altLang="en-US" b="1" dirty="0"/>
-              <a:t>系統中一個可以設置控制台窗口字體顏色和背景色的計算機</a:t>
-            </a:r>
-            <a:r>
-              <a:rPr lang="zh-TW" altLang="en-US" b="1" dirty="0" smtClean="0"/>
-              <a:t>函數</a:t>
-            </a:r>
-            <a:r>
-              <a:rPr lang="en-US" altLang="zh-TW" b="1" dirty="0" smtClean="0"/>
-              <a:t/>
+              <a:t>系統中一個可以設置控制台窗口字體顏色和背景色的計算機函數</a:t>
             </a:r>
             <a:br>
-              <a:rPr lang="en-US" altLang="zh-TW" b="1" dirty="0" smtClean="0"/>
+              <a:rPr lang="en-US" altLang="zh-TW" b="1" dirty="0"/>
             </a:br>
             <a:r>
-              <a:rPr lang="en-US" altLang="zh-TW" b="1" dirty="0" err="1" smtClean="0"/>
+              <a:rPr lang="en-US" altLang="zh-TW" b="1" dirty="0" err="1"/>
               <a:t>GetStdHandle</a:t>
             </a:r>
             <a:r>
-              <a:rPr lang="en-US" altLang="zh-TW" b="1" dirty="0" smtClean="0"/>
+              <a:rPr lang="en-US" altLang="zh-TW" b="1" dirty="0"/>
               <a:t> </a:t>
             </a:r>
             <a:r>
-              <a:rPr lang="zh-TW" altLang="en-US" b="1" dirty="0" smtClean="0"/>
-              <a:t>返回</a:t>
-            </a:r>
-            <a:r>
-              <a:rPr lang="zh-TW" altLang="en-US" b="1" dirty="0"/>
-              <a:t>的句柄具有</a:t>
+              <a:rPr lang="zh-TW" altLang="en-US" b="1" dirty="0"/>
+              <a:t>返回的句柄具有</a:t>
             </a:r>
             <a:r>
               <a:rPr lang="en-US" altLang="zh-TW" b="1" dirty="0"/>
@@ -9018,30 +8841,18 @@
             </a:r>
             <a:r>
               <a:rPr lang="zh-TW" altLang="en-US" b="1" dirty="0"/>
-              <a:t>訪問</a:t>
-            </a:r>
-            <a:r>
-              <a:rPr lang="zh-TW" altLang="en-US" b="1" dirty="0" smtClean="0"/>
-              <a:t>權限</a:t>
-            </a:r>
-            <a:r>
-              <a:rPr lang="en-US" altLang="zh-TW" b="1" dirty="0" smtClean="0"/>
-              <a:t/>
+              <a:t>訪問權限</a:t>
             </a:r>
             <a:br>
-              <a:rPr lang="en-US" altLang="zh-TW" b="1" dirty="0" smtClean="0"/>
+              <a:rPr lang="en-US" altLang="zh-TW" b="1" dirty="0"/>
             </a:br>
             <a:r>
-              <a:rPr lang="en-US" altLang="zh-TW" b="1" dirty="0" smtClean="0"/>
+              <a:rPr lang="en-US" altLang="zh-TW" b="1" dirty="0"/>
               <a:t>STD_OUTPUT_HANDLE </a:t>
             </a:r>
             <a:r>
-              <a:rPr lang="zh-TW" altLang="en-US" b="1" dirty="0" smtClean="0"/>
-              <a:t>標準</a:t>
-            </a:r>
-            <a:r>
-              <a:rPr lang="zh-TW" altLang="en-US" b="1" dirty="0"/>
-              <a:t>輸出句柄</a:t>
+              <a:rPr lang="zh-TW" altLang="en-US" b="1" dirty="0"/>
+              <a:t>標準輸出句柄</a:t>
             </a:r>
           </a:p>
         </p:txBody>
@@ -9104,22 +8915,18 @@
           <a:lstStyle/>
           <a:p>
             <a:r>
-              <a:rPr lang="en-US" altLang="zh-TW" b="1" dirty="0" smtClean="0"/>
+              <a:rPr lang="en-US" altLang="zh-TW" b="1" dirty="0"/>
               <a:t>X=color(x)</a:t>
             </a:r>
-            <a:r>
-              <a:rPr lang="en-US" altLang="zh-TW" b="1" dirty="0"/>
-              <a:t/>
-            </a:r>
             <a:br>
               <a:rPr lang="en-US" altLang="zh-TW" b="1" dirty="0"/>
             </a:br>
             <a:r>
-              <a:rPr lang="en-US" altLang="zh-TW" b="1" dirty="0" smtClean="0"/>
+              <a:rPr lang="en-US" altLang="zh-TW" b="1" dirty="0"/>
               <a:t>0=</a:t>
             </a:r>
             <a:r>
-              <a:rPr lang="zh-TW" altLang="en-US" b="1" dirty="0" smtClean="0"/>
+              <a:rPr lang="zh-TW" altLang="en-US" b="1" dirty="0"/>
               <a:t>黑色</a:t>
             </a:r>
             <a:r>
@@ -9127,193 +8934,145 @@
               <a:t>	 1=</a:t>
             </a:r>
             <a:r>
-              <a:rPr lang="zh-TW" altLang="en-US" b="1" dirty="0" smtClean="0"/>
+              <a:rPr lang="zh-TW" altLang="en-US" b="1" dirty="0"/>
               <a:t>藍色</a:t>
             </a:r>
             <a:r>
               <a:rPr lang="en-US" altLang="zh-TW" b="1" dirty="0"/>
-              <a:t>	 </a:t>
-            </a:r>
-            <a:r>
-              <a:rPr lang="en-US" altLang="zh-TW" b="1" dirty="0" smtClean="0"/>
-              <a:t>2=</a:t>
-            </a:r>
-            <a:r>
-              <a:rPr lang="zh-TW" altLang="en-US" b="1" dirty="0" smtClean="0"/>
+              <a:t>	 2=</a:t>
+            </a:r>
+            <a:r>
+              <a:rPr lang="zh-TW" altLang="en-US" b="1" dirty="0"/>
               <a:t>綠色</a:t>
             </a:r>
             <a:r>
               <a:rPr lang="en-US" altLang="zh-TW" b="1" dirty="0"/>
-              <a:t>	 </a:t>
-            </a:r>
-            <a:r>
-              <a:rPr lang="en-US" altLang="zh-TW" b="1" dirty="0" smtClean="0"/>
-              <a:t>3=</a:t>
-            </a:r>
-            <a:r>
-              <a:rPr lang="zh-TW" altLang="en-US" b="1" dirty="0"/>
-              <a:t>湖</a:t>
-            </a:r>
-            <a:r>
-              <a:rPr lang="zh-TW" altLang="en-US" b="1" dirty="0" smtClean="0"/>
-              <a:t>藍色      </a:t>
-            </a:r>
-            <a:r>
-              <a:rPr lang="en-US" altLang="zh-TW" b="1" dirty="0" smtClean="0"/>
+              <a:t>	 3=</a:t>
+            </a:r>
+            <a:r>
+              <a:rPr lang="zh-TW" altLang="en-US" b="1" dirty="0"/>
+              <a:t>湖藍色      </a:t>
+            </a:r>
+            <a:r>
+              <a:rPr lang="en-US" altLang="zh-TW" b="1" dirty="0"/>
               <a:t>4=</a:t>
             </a:r>
             <a:r>
-              <a:rPr lang="zh-TW" altLang="en-US" b="1" dirty="0" smtClean="0"/>
+              <a:rPr lang="zh-TW" altLang="en-US" b="1" dirty="0"/>
               <a:t>紅色     </a:t>
             </a:r>
             <a:r>
-              <a:rPr lang="en-US" altLang="zh-TW" b="1" dirty="0" smtClean="0"/>
+              <a:rPr lang="en-US" altLang="zh-TW" b="1" dirty="0"/>
               <a:t> 5=</a:t>
             </a:r>
             <a:r>
-              <a:rPr lang="zh-TW" altLang="en-US" b="1" dirty="0" smtClean="0"/>
+              <a:rPr lang="zh-TW" altLang="en-US" b="1" dirty="0"/>
               <a:t>紫色      </a:t>
             </a:r>
             <a:r>
-              <a:rPr lang="en-US" altLang="zh-TW" b="1" dirty="0" smtClean="0"/>
+              <a:rPr lang="en-US" altLang="zh-TW" b="1" dirty="0"/>
               <a:t> 6=</a:t>
             </a:r>
             <a:r>
-              <a:rPr lang="zh-TW" altLang="en-US" b="1" dirty="0" smtClean="0"/>
+              <a:rPr lang="zh-TW" altLang="en-US" b="1" dirty="0"/>
               <a:t>黃色      </a:t>
             </a:r>
             <a:r>
-              <a:rPr lang="en-US" altLang="zh-TW" b="1" dirty="0" smtClean="0"/>
+              <a:rPr lang="en-US" altLang="zh-TW" b="1" dirty="0"/>
               <a:t> 7=</a:t>
             </a:r>
             <a:r>
-              <a:rPr lang="zh-TW" altLang="en-US" b="1" dirty="0" smtClean="0"/>
+              <a:rPr lang="zh-TW" altLang="en-US" b="1" dirty="0"/>
               <a:t>白色      </a:t>
             </a:r>
             <a:r>
-              <a:rPr lang="en-US" altLang="zh-TW" b="1" dirty="0" smtClean="0"/>
+              <a:rPr lang="en-US" altLang="zh-TW" b="1" dirty="0"/>
               <a:t>8=</a:t>
             </a:r>
             <a:r>
-              <a:rPr lang="zh-TW" altLang="en-US" b="1" dirty="0" smtClean="0"/>
-              <a:t>灰色</a:t>
-            </a:r>
-            <a:r>
-              <a:rPr lang="zh-TW" altLang="en-US" b="1" dirty="0"/>
-              <a:t> </a:t>
-            </a:r>
-            <a:r>
-              <a:rPr lang="zh-TW" altLang="en-US" b="1" dirty="0" smtClean="0"/>
-              <a:t>     </a:t>
-            </a:r>
-            <a:r>
-              <a:rPr lang="en-US" altLang="zh-TW" b="1" dirty="0" smtClean="0"/>
+              <a:rPr lang="zh-TW" altLang="en-US" b="1" dirty="0"/>
+              <a:t>灰色      </a:t>
+            </a:r>
+            <a:r>
+              <a:rPr lang="en-US" altLang="zh-TW" b="1" dirty="0"/>
               <a:t>9=</a:t>
             </a:r>
             <a:r>
               <a:rPr lang="zh-TW" altLang="en-US" b="1" dirty="0"/>
-              <a:t>淡藍</a:t>
-            </a:r>
-            <a:r>
-              <a:rPr lang="zh-TW" altLang="en-US" b="1" dirty="0" smtClean="0"/>
-              <a:t>色</a:t>
-            </a:r>
-            <a:endParaRPr lang="en-US" altLang="zh-TW" b="1" dirty="0" smtClean="0"/>
-          </a:p>
-          <a:p>
-            <a:r>
-              <a:rPr lang="en-US" altLang="zh-TW" b="1" dirty="0" smtClean="0"/>
+              <a:t>淡藍色</a:t>
+            </a:r>
+            <a:endParaRPr lang="en-US" altLang="zh-TW" b="1" dirty="0"/>
+          </a:p>
+          <a:p>
+            <a:r>
+              <a:rPr lang="en-US" altLang="zh-TW" b="1" dirty="0"/>
               <a:t>10=</a:t>
             </a:r>
             <a:r>
               <a:rPr lang="zh-TW" altLang="en-US" b="1" dirty="0"/>
-              <a:t>淡綠</a:t>
-            </a:r>
-            <a:r>
-              <a:rPr lang="zh-TW" altLang="en-US" b="1" dirty="0" smtClean="0"/>
-              <a:t>色      </a:t>
-            </a:r>
-            <a:r>
-              <a:rPr lang="en-US" altLang="zh-TW" b="1" dirty="0" smtClean="0"/>
+              <a:t>淡綠色      </a:t>
+            </a:r>
+            <a:r>
+              <a:rPr lang="en-US" altLang="zh-TW" b="1" dirty="0"/>
               <a:t>11=</a:t>
             </a:r>
             <a:r>
               <a:rPr lang="zh-TW" altLang="en-US" b="1" dirty="0"/>
-              <a:t>淡淺</a:t>
-            </a:r>
-            <a:r>
-              <a:rPr lang="zh-TW" altLang="en-US" b="1" dirty="0" smtClean="0"/>
-              <a:t>綠色      </a:t>
-            </a:r>
-            <a:r>
-              <a:rPr lang="en-US" altLang="zh-TW" b="1" dirty="0" smtClean="0"/>
+              <a:t>淡淺綠色      </a:t>
+            </a:r>
+            <a:r>
+              <a:rPr lang="en-US" altLang="zh-TW" b="1" dirty="0"/>
               <a:t>12=</a:t>
             </a:r>
             <a:r>
-              <a:rPr lang="zh-TW" altLang="en-US" b="1" dirty="0" smtClean="0"/>
+              <a:rPr lang="zh-TW" altLang="en-US" b="1" dirty="0"/>
               <a:t>淡紅色      </a:t>
             </a:r>
             <a:r>
-              <a:rPr lang="en-US" altLang="zh-TW" b="1" dirty="0" smtClean="0"/>
+              <a:rPr lang="en-US" altLang="zh-TW" b="1" dirty="0"/>
               <a:t>13=</a:t>
             </a:r>
             <a:r>
-              <a:rPr lang="zh-TW" altLang="en-US" b="1" dirty="0" smtClean="0"/>
-              <a:t>淡紫色</a:t>
-            </a:r>
-            <a:r>
-              <a:rPr lang="zh-TW" altLang="en-US" b="1" dirty="0"/>
-              <a:t> </a:t>
-            </a:r>
-            <a:r>
-              <a:rPr lang="zh-TW" altLang="en-US" b="1" dirty="0" smtClean="0"/>
-              <a:t>     </a:t>
-            </a:r>
-            <a:r>
-              <a:rPr lang="en-US" altLang="zh-TW" b="1" dirty="0" smtClean="0"/>
+              <a:rPr lang="zh-TW" altLang="en-US" b="1" dirty="0"/>
+              <a:t>淡紫色      </a:t>
+            </a:r>
+            <a:r>
+              <a:rPr lang="en-US" altLang="zh-TW" b="1" dirty="0"/>
               <a:t>14=</a:t>
             </a:r>
             <a:r>
               <a:rPr lang="zh-TW" altLang="en-US" b="1" dirty="0"/>
-              <a:t>淡黃</a:t>
-            </a:r>
-            <a:r>
-              <a:rPr lang="zh-TW" altLang="en-US" b="1" dirty="0" smtClean="0"/>
-              <a:t>色      </a:t>
-            </a:r>
-            <a:r>
-              <a:rPr lang="en-US" altLang="zh-TW" b="1" dirty="0" smtClean="0"/>
+              <a:t>淡黃色      </a:t>
+            </a:r>
+            <a:r>
+              <a:rPr lang="en-US" altLang="zh-TW" b="1" dirty="0"/>
               <a:t>15=</a:t>
             </a:r>
             <a:r>
-              <a:rPr lang="zh-TW" altLang="en-US" b="1" dirty="0" smtClean="0"/>
+              <a:rPr lang="zh-TW" altLang="en-US" b="1" dirty="0"/>
               <a:t>亮白色</a:t>
             </a:r>
-            <a:r>
-              <a:rPr lang="en-US" altLang="zh-TW" b="1" dirty="0" smtClean="0"/>
-              <a:t/>
-            </a:r>
             <a:br>
-              <a:rPr lang="en-US" altLang="zh-TW" b="1" dirty="0" smtClean="0"/>
+              <a:rPr lang="en-US" altLang="zh-TW" b="1" dirty="0"/>
             </a:br>
             <a:r>
-              <a:rPr lang="zh-TW" altLang="en-US" b="1" dirty="0" smtClean="0"/>
+              <a:rPr lang="zh-TW" altLang="en-US" b="1" dirty="0"/>
               <a:t>超過</a:t>
             </a:r>
             <a:r>
-              <a:rPr lang="en-US" altLang="zh-TW" b="1" dirty="0" smtClean="0"/>
+              <a:rPr lang="en-US" altLang="zh-TW" b="1" dirty="0"/>
               <a:t>15</a:t>
             </a:r>
             <a:r>
-              <a:rPr lang="zh-TW" altLang="en-US" b="1" dirty="0" smtClean="0"/>
+              <a:rPr lang="zh-TW" altLang="en-US" b="1" dirty="0"/>
               <a:t>就回復到默認值</a:t>
             </a:r>
             <a:r>
-              <a:rPr lang="en-US" altLang="zh-TW" b="1" dirty="0" smtClean="0"/>
+              <a:rPr lang="en-US" altLang="zh-TW" b="1" dirty="0"/>
               <a:t>(7)</a:t>
             </a:r>
             <a:r>
-              <a:rPr lang="zh-TW" altLang="en-US" b="1" smtClean="0"/>
+              <a:rPr lang="zh-TW" altLang="en-US" b="1"/>
               <a:t>白色</a:t>
             </a:r>
             <a:endParaRPr lang="zh-TW" altLang="en-US" b="1" dirty="0"/>
@@ -9330,13 +9089,6 @@
   <p:clrMapOvr>
     <a:masterClrMapping/>
   </p:clrMapOvr>
-  <p:timing>
-    <p:tnLst>
-      <p:par>
-        <p:cTn id="1" dur="indefinite" restart="never" nodeType="tmRoot"/>
-      </p:par>
-    </p:tnLst>
-  </p:timing>
 </p:sld>
 </file>
 
@@ -9435,7 +9187,7 @@
               <a:t> </a:t>
             </a:r>
             <a:r>
-              <a:rPr lang="en-US" altLang="zh-TW" sz="5500" b="1" dirty="0" smtClean="0"/>
+              <a:rPr lang="en-US" altLang="zh-TW" sz="5500" b="1" dirty="0"/>
               <a:t>/6</a:t>
             </a:r>
             <a:endParaRPr lang="zh-TW" altLang="en-US" sz="5500" b="1" dirty="0"/>
@@ -9476,51 +9228,43 @@
           <a:lstStyle/>
           <a:p>
             <a:r>
-              <a:rPr lang="zh-TW" altLang="en-US" b="1" dirty="0" smtClean="0"/>
+              <a:rPr lang="zh-TW" altLang="en-US" b="1" dirty="0"/>
               <a:t>第</a:t>
             </a:r>
             <a:r>
-              <a:rPr lang="en-US" altLang="zh-TW" b="1" dirty="0" smtClean="0"/>
+              <a:rPr lang="en-US" altLang="zh-TW" b="1" dirty="0"/>
               <a:t>14</a:t>
             </a:r>
             <a:r>
-              <a:rPr lang="zh-TW" altLang="en-US" b="1" dirty="0" smtClean="0"/>
+              <a:rPr lang="zh-TW" altLang="en-US" b="1" dirty="0"/>
               <a:t>行</a:t>
             </a:r>
             <a:r>
-              <a:rPr lang="en-US" altLang="zh-TW" b="1" dirty="0" smtClean="0"/>
+              <a:rPr lang="en-US" altLang="zh-TW" b="1" dirty="0"/>
               <a:t>~</a:t>
             </a:r>
             <a:r>
-              <a:rPr lang="zh-TW" altLang="en-US" b="1" dirty="0" smtClean="0"/>
+              <a:rPr lang="zh-TW" altLang="en-US" b="1" dirty="0"/>
               <a:t>第</a:t>
             </a:r>
             <a:r>
-              <a:rPr lang="en-US" altLang="zh-TW" b="1" dirty="0" smtClean="0"/>
+              <a:rPr lang="en-US" altLang="zh-TW" b="1" dirty="0"/>
               <a:t>16</a:t>
             </a:r>
             <a:r>
-              <a:rPr lang="zh-TW" altLang="en-US" b="1" dirty="0" smtClean="0"/>
+              <a:rPr lang="zh-TW" altLang="en-US" b="1" dirty="0"/>
               <a:t>行</a:t>
             </a:r>
-            <a:endParaRPr lang="en-US" altLang="zh-TW" b="1" dirty="0" smtClean="0"/>
-          </a:p>
-          <a:p>
-            <a:r>
-              <a:rPr lang="en-US" altLang="zh-TW" b="1" dirty="0" smtClean="0"/>
+            <a:endParaRPr lang="en-US" altLang="zh-TW" b="1" dirty="0"/>
+          </a:p>
+          <a:p>
+            <a:r>
+              <a:rPr lang="en-US" altLang="zh-TW" b="1" dirty="0"/>
               <a:t>Gamer</a:t>
             </a:r>
             <a:r>
-              <a:rPr lang="zh-TW" altLang="en-US" b="1" dirty="0" smtClean="0"/>
-              <a:t> </a:t>
-            </a:r>
-            <a:r>
-              <a:rPr lang="zh-TW" altLang="en-US" b="1" dirty="0"/>
-              <a:t>玩家出拳</a:t>
-            </a:r>
-            <a:r>
-              <a:rPr lang="en-US" altLang="zh-TW" b="1" dirty="0"/>
-              <a:t/>
+              <a:rPr lang="zh-TW" altLang="en-US" b="1" dirty="0"/>
+              <a:t> 玩家出拳</a:t>
             </a:r>
             <a:br>
               <a:rPr lang="en-US" altLang="zh-TW" b="1" dirty="0"/>
@@ -9544,10 +9288,6 @@
               <a:rPr lang="zh-TW" altLang="en-US" b="1" dirty="0"/>
               <a:t> 出拳結果</a:t>
             </a:r>
-            <a:r>
-              <a:rPr lang="en-US" altLang="zh-TW" b="1" dirty="0"/>
-              <a:t/>
-            </a:r>
             <a:br>
               <a:rPr lang="en-US" altLang="zh-TW" b="1" dirty="0"/>
             </a:br>
@@ -9559,37 +9299,28 @@
               <a:rPr lang="en-US" altLang="zh-TW" b="1" dirty="0"/>
             </a:br>
             <a:r>
-              <a:rPr lang="zh-TW" altLang="en-US" b="1" dirty="0" smtClean="0"/>
+              <a:rPr lang="zh-TW" altLang="en-US" b="1" dirty="0"/>
               <a:t>第</a:t>
             </a:r>
             <a:r>
-              <a:rPr lang="en-US" altLang="zh-TW" b="1" dirty="0" smtClean="0"/>
+              <a:rPr lang="en-US" altLang="zh-TW" b="1" dirty="0"/>
               <a:t>17</a:t>
             </a:r>
             <a:r>
-              <a:rPr lang="zh-TW" altLang="en-US" b="1" dirty="0" smtClean="0"/>
+              <a:rPr lang="zh-TW" altLang="en-US" b="1" dirty="0"/>
               <a:t>行</a:t>
             </a:r>
-            <a:endParaRPr lang="en-US" altLang="zh-TW" b="1" dirty="0" smtClean="0"/>
-          </a:p>
-          <a:p>
-            <a:r>
-              <a:rPr lang="en-US" altLang="zh-TW" b="1" dirty="0" smtClean="0"/>
-              <a:t>while(1</a:t>
-            </a:r>
-            <a:r>
-              <a:rPr lang="en-US" altLang="zh-TW" b="1" dirty="0"/>
-              <a:t>)</a:t>
-            </a:r>
-            <a:r>
-              <a:rPr lang="zh-TW" altLang="en-US" b="1" dirty="0"/>
-              <a:t>防止程式碼跑完直接</a:t>
-            </a:r>
-            <a:r>
-              <a:rPr lang="zh-TW" altLang="en-US" b="1" dirty="0" smtClean="0"/>
-              <a:t>停止</a:t>
-            </a:r>
-            <a:endParaRPr lang="zh-TW" altLang="en-US" b="1" dirty="0"/>
+            <a:endParaRPr lang="en-US" altLang="zh-TW" b="1" dirty="0"/>
+          </a:p>
+          <a:p>
+            <a:r>
+              <a:rPr lang="en-US" altLang="zh-TW" b="1" dirty="0"/>
+              <a:t>while(1)</a:t>
+            </a:r>
+            <a:r>
+              <a:rPr lang="zh-TW" altLang="en-US" b="1" dirty="0"/>
+              <a:t>防止程式碼跑完直接停止</a:t>
+            </a:r>
           </a:p>
         </p:txBody>
       </p:sp>
@@ -9633,13 +9364,6 @@
   <p:clrMapOvr>
     <a:masterClrMapping/>
   </p:clrMapOvr>
-  <p:timing>
-    <p:tnLst>
-      <p:par>
-        <p:cTn id="1" dur="indefinite" restart="never" nodeType="tmRoot"/>
-      </p:par>
-    </p:tnLst>
-  </p:timing>
 </p:sld>
 </file>
 
@@ -9738,7 +9462,7 @@
               <a:t> </a:t>
             </a:r>
             <a:r>
-              <a:rPr lang="en-US" altLang="zh-TW" sz="5500" b="1" dirty="0" smtClean="0"/>
+              <a:rPr lang="en-US" altLang="zh-TW" sz="5500" b="1" dirty="0"/>
               <a:t>/6</a:t>
             </a:r>
             <a:endParaRPr lang="zh-TW" altLang="en-US" sz="5500" b="1" dirty="0"/>
@@ -9759,8 +9483,8 @@
         </p:nvSpPr>
         <p:spPr>
           <a:xfrm>
-            <a:off x="6461279" y="1852374"/>
-            <a:ext cx="4782109" cy="2247424"/>
+            <a:off x="7782079" y="989214"/>
+            <a:ext cx="4210339" cy="2247424"/>
           </a:xfrm>
           <a:prstGeom prst="roundRect">
             <a:avLst/>
@@ -9833,10 +9557,6 @@
               <a:rPr lang="zh-TW" altLang="en-US" b="1" dirty="0"/>
               <a:t>或輸入其他的字母就直接結束</a:t>
             </a:r>
-            <a:r>
-              <a:rPr lang="en-US" altLang="zh-TW" b="1" dirty="0"/>
-              <a:t/>
-            </a:r>
             <a:br>
               <a:rPr lang="en-US" altLang="zh-TW" b="1" dirty="0"/>
             </a:br>
@@ -9863,10 +9583,6 @@
             <a:r>
               <a:rPr lang="zh-TW" altLang="en-US" b="1" dirty="0"/>
               <a:t> 布</a:t>
-            </a:r>
-            <a:r>
-              <a:rPr lang="en-US" altLang="zh-TW" b="1" dirty="0"/>
-              <a:t/>
             </a:r>
             <a:br>
               <a:rPr lang="en-US" altLang="zh-TW" b="1" dirty="0"/>
@@ -9975,8 +9691,8 @@
         </p:blipFill>
         <p:spPr>
           <a:xfrm>
-            <a:off x="259639" y="1852374"/>
-            <a:ext cx="6201640" cy="4658375"/>
+            <a:off x="199582" y="1092200"/>
+            <a:ext cx="7422331" cy="5575300"/>
           </a:xfrm>
           <a:prstGeom prst="rect">
             <a:avLst/>
@@ -9993,13 +9709,6 @@
   <p:clrMapOvr>
     <a:masterClrMapping/>
   </p:clrMapOvr>
-  <p:timing>
-    <p:tnLst>
-      <p:par>
-        <p:cTn id="1" dur="indefinite" restart="never" nodeType="tmRoot"/>
-      </p:par>
-    </p:tnLst>
-  </p:timing>
 </p:sld>
 </file>
 
@@ -10098,7 +9807,7 @@
               <a:t> </a:t>
             </a:r>
             <a:r>
-              <a:rPr lang="en-US" altLang="zh-TW" sz="5500" b="1" dirty="0" smtClean="0"/>
+              <a:rPr lang="en-US" altLang="zh-TW" sz="5500" b="1" dirty="0"/>
               <a:t>/6</a:t>
             </a:r>
             <a:endParaRPr lang="zh-TW" altLang="en-US" sz="5500" b="1" dirty="0"/>
@@ -10119,7 +9828,7 @@
         </p:nvSpPr>
         <p:spPr>
           <a:xfrm>
-            <a:off x="746518" y="4252114"/>
+            <a:off x="515684" y="4164368"/>
             <a:ext cx="4621696" cy="1940957"/>
           </a:xfrm>
           <a:prstGeom prst="roundRect">
@@ -10139,46 +9848,42 @@
           <a:lstStyle/>
           <a:p>
             <a:r>
-              <a:rPr lang="zh-TW" altLang="en-US" b="1" dirty="0" smtClean="0"/>
+              <a:rPr lang="zh-TW" altLang="en-US" b="1" dirty="0"/>
               <a:t>第</a:t>
             </a:r>
             <a:r>
-              <a:rPr lang="en-US" altLang="zh-TW" b="1" dirty="0" smtClean="0"/>
+              <a:rPr lang="en-US" altLang="zh-TW" b="1" dirty="0"/>
               <a:t>44</a:t>
             </a:r>
             <a:r>
-              <a:rPr lang="zh-TW" altLang="en-US" b="1" dirty="0" smtClean="0"/>
+              <a:rPr lang="zh-TW" altLang="en-US" b="1" dirty="0"/>
               <a:t>行</a:t>
             </a:r>
             <a:r>
-              <a:rPr lang="en-US" altLang="zh-TW" b="1" dirty="0" smtClean="0"/>
+              <a:rPr lang="en-US" altLang="zh-TW" b="1" dirty="0"/>
               <a:t>~</a:t>
             </a:r>
             <a:r>
-              <a:rPr lang="zh-TW" altLang="en-US" b="1" dirty="0" smtClean="0"/>
+              <a:rPr lang="zh-TW" altLang="en-US" b="1" dirty="0"/>
               <a:t>第</a:t>
             </a:r>
             <a:r>
-              <a:rPr lang="en-US" altLang="zh-TW" b="1" dirty="0" smtClean="0"/>
+              <a:rPr lang="en-US" altLang="zh-TW" b="1" dirty="0"/>
               <a:t>45</a:t>
             </a:r>
             <a:r>
-              <a:rPr lang="zh-TW" altLang="en-US" b="1" dirty="0" smtClean="0"/>
+              <a:rPr lang="zh-TW" altLang="en-US" b="1" dirty="0"/>
               <a:t>行</a:t>
             </a:r>
             <a:r>
-              <a:rPr lang="en-US" altLang="zh-TW" b="1" dirty="0" smtClean="0"/>
+              <a:rPr lang="en-US" altLang="zh-TW" b="1" dirty="0"/>
               <a:t>:</a:t>
             </a:r>
           </a:p>
           <a:p>
             <a:r>
-              <a:rPr lang="zh-TW" altLang="en-US" b="1" dirty="0" smtClean="0"/>
-              <a:t>讓</a:t>
-            </a:r>
-            <a:r>
-              <a:rPr lang="zh-TW" altLang="en-US" b="1" dirty="0"/>
-              <a:t>電腦出的速度變立刻</a:t>
+              <a:rPr lang="zh-TW" altLang="en-US" b="1" dirty="0"/>
+              <a:t>讓電腦出的速度變立刻</a:t>
             </a:r>
             <a:r>
               <a:rPr lang="en-US" altLang="zh-TW" b="1" dirty="0"/>
@@ -10196,52 +9901,44 @@
               <a:rPr lang="zh-TW" altLang="en-US" b="1" dirty="0"/>
               <a:t>。</a:t>
             </a:r>
-            <a:r>
-              <a:rPr lang="en-US" altLang="zh-TW" b="1" dirty="0"/>
-              <a:t/>
-            </a:r>
             <a:br>
               <a:rPr lang="en-US" altLang="zh-TW" b="1" dirty="0"/>
             </a:br>
             <a:r>
-              <a:rPr lang="zh-TW" altLang="en-US" b="1" dirty="0" smtClean="0"/>
+              <a:rPr lang="zh-TW" altLang="en-US" b="1" dirty="0"/>
               <a:t>使用</a:t>
             </a:r>
             <a:r>
-              <a:rPr lang="en-US" altLang="zh-TW" b="1" dirty="0" smtClean="0"/>
+              <a:rPr lang="en-US" altLang="zh-TW" b="1" dirty="0"/>
               <a:t>rand</a:t>
             </a:r>
             <a:r>
               <a:rPr lang="zh-TW" altLang="en-US" b="1" dirty="0"/>
               <a:t>隨機生成數字並且取餘數。</a:t>
             </a:r>
-            <a:r>
-              <a:rPr lang="en-US" altLang="zh-TW" b="1" dirty="0"/>
-              <a:t/>
-            </a:r>
             <a:br>
               <a:rPr lang="en-US" altLang="zh-TW" b="1" dirty="0"/>
             </a:br>
             <a:r>
-              <a:rPr lang="zh-TW" altLang="en-US" b="1" dirty="0" smtClean="0"/>
+              <a:rPr lang="zh-TW" altLang="en-US" b="1" dirty="0"/>
               <a:t>第</a:t>
             </a:r>
             <a:r>
-              <a:rPr lang="en-US" altLang="zh-TW" b="1" dirty="0" smtClean="0"/>
+              <a:rPr lang="en-US" altLang="zh-TW" b="1" dirty="0"/>
               <a:t>46</a:t>
             </a:r>
             <a:r>
-              <a:rPr lang="zh-TW" altLang="en-US" b="1" dirty="0" smtClean="0"/>
+              <a:rPr lang="zh-TW" altLang="en-US" b="1" dirty="0"/>
               <a:t>行</a:t>
             </a:r>
             <a:r>
-              <a:rPr lang="en-US" altLang="zh-TW" b="1" dirty="0" smtClean="0"/>
+              <a:rPr lang="en-US" altLang="zh-TW" b="1" dirty="0"/>
               <a:t>:</a:t>
             </a:r>
           </a:p>
           <a:p>
             <a:r>
-              <a:rPr lang="en-US" altLang="zh-TW" b="1" dirty="0" smtClean="0"/>
+              <a:rPr lang="en-US" altLang="zh-TW" b="1" dirty="0"/>
               <a:t>gamer</a:t>
             </a:r>
             <a:r>
@@ -10254,11 +9951,7 @@
             </a:r>
             <a:r>
               <a:rPr lang="zh-TW" altLang="en-US" b="1" dirty="0"/>
-              <a:t>，因為要數學運算強制改成數字</a:t>
-            </a:r>
-            <a:r>
-              <a:rPr lang="zh-TW" altLang="en-US" b="1" dirty="0" smtClean="0"/>
-              <a:t>。</a:t>
+              <a:t>，因為要數學運算強制改成數字。</a:t>
             </a:r>
             <a:endParaRPr lang="en-US" altLang="zh-TW" b="1" dirty="0"/>
           </a:p>
@@ -10266,28 +9959,28 @@
       </p:sp>
       <p:pic>
         <p:nvPicPr>
-          <p:cNvPr id="4" name="圖片 3"/>
+          <p:cNvPr id="3" name="圖片 2">
+            <a:extLst>
+              <a:ext uri="{FF2B5EF4-FFF2-40B4-BE49-F238E27FC236}">
+                <a16:creationId xmlns:a16="http://schemas.microsoft.com/office/drawing/2014/main" id="{090DD92C-0AE0-4E70-B6B8-B08914769CB7}"/>
+              </a:ext>
+            </a:extLst>
+          </p:cNvPr>
           <p:cNvPicPr>
             <a:picLocks noChangeAspect="1"/>
           </p:cNvPicPr>
           <p:nvPr/>
         </p:nvPicPr>
         <p:blipFill>
-          <a:blip r:embed="rId2">
-            <a:extLst>
-              <a:ext uri="{28A0092B-C50C-407E-A947-70E740481C1C}">
-                <a14:useLocalDpi xmlns:a14="http://schemas.microsoft.com/office/drawing/2010/main" val="0"/>
-              </a:ext>
-            </a:extLst>
-          </a:blip>
+          <a:blip r:embed="rId2"/>
           <a:stretch>
             <a:fillRect/>
           </a:stretch>
         </p:blipFill>
         <p:spPr>
           <a:xfrm>
-            <a:off x="859110" y="1949489"/>
-            <a:ext cx="9357232" cy="2108672"/>
+            <a:off x="276225" y="1047403"/>
+            <a:ext cx="11270386" cy="2742719"/>
           </a:xfrm>
           <a:prstGeom prst="rect">
             <a:avLst/>
@@ -10304,13 +9997,6 @@
   <p:clrMapOvr>
     <a:masterClrMapping/>
   </p:clrMapOvr>
-  <p:timing>
-    <p:tnLst>
-      <p:par>
-        <p:cTn id="1" dur="indefinite" restart="never" nodeType="tmRoot"/>
-      </p:par>
-    </p:tnLst>
-  </p:timing>
 </p:sld>
 </file>
 
